--- a/图片设计.pptx
+++ b/图片设计.pptx
@@ -6,6 +6,11 @@
   </p:sldMasterIdLst>
   <p:sldIdLst>
     <p:sldId id="256" r:id="rId2"/>
+    <p:sldId id="257" r:id="rId3"/>
+    <p:sldId id="258" r:id="rId4"/>
+    <p:sldId id="259" r:id="rId5"/>
+    <p:sldId id="260" r:id="rId6"/>
+    <p:sldId id="261" r:id="rId7"/>
   </p:sldIdLst>
   <p:sldSz cx="12192000" cy="6858000"/>
   <p:notesSz cx="6858000" cy="9144000"/>
@@ -104,6 +109,11 @@
       </a:defRPr>
     </a:lvl9pPr>
   </p:defaultTextStyle>
+  <p:extLst>
+    <p:ext uri="{EFAFB233-063F-42B5-8137-9DF3F51BA10A}">
+      <p15:sldGuideLst xmlns:p15="http://schemas.microsoft.com/office/powerpoint/2012/main"/>
+    </p:ext>
+  </p:extLst>
 </p:presentation>
 </file>
 
@@ -254,7 +264,7 @@
           <a:p>
             <a:fld id="{99754A40-2ACA-4C3E-A850-E79FE924456C}" type="datetimeFigureOut">
               <a:rPr lang="zh-CN" altLang="en-US" smtClean="0"/>
-              <a:t>2019/11/6</a:t>
+              <a:t>2019/11/17</a:t>
             </a:fld>
             <a:endParaRPr lang="zh-CN" altLang="en-US"/>
           </a:p>
@@ -452,7 +462,7 @@
           <a:p>
             <a:fld id="{99754A40-2ACA-4C3E-A850-E79FE924456C}" type="datetimeFigureOut">
               <a:rPr lang="zh-CN" altLang="en-US" smtClean="0"/>
-              <a:t>2019/11/6</a:t>
+              <a:t>2019/11/17</a:t>
             </a:fld>
             <a:endParaRPr lang="zh-CN" altLang="en-US"/>
           </a:p>
@@ -660,7 +670,7 @@
           <a:p>
             <a:fld id="{99754A40-2ACA-4C3E-A850-E79FE924456C}" type="datetimeFigureOut">
               <a:rPr lang="zh-CN" altLang="en-US" smtClean="0"/>
-              <a:t>2019/11/6</a:t>
+              <a:t>2019/11/17</a:t>
             </a:fld>
             <a:endParaRPr lang="zh-CN" altLang="en-US"/>
           </a:p>
@@ -858,7 +868,7 @@
           <a:p>
             <a:fld id="{99754A40-2ACA-4C3E-A850-E79FE924456C}" type="datetimeFigureOut">
               <a:rPr lang="zh-CN" altLang="en-US" smtClean="0"/>
-              <a:t>2019/11/6</a:t>
+              <a:t>2019/11/17</a:t>
             </a:fld>
             <a:endParaRPr lang="zh-CN" altLang="en-US"/>
           </a:p>
@@ -1133,7 +1143,7 @@
           <a:p>
             <a:fld id="{99754A40-2ACA-4C3E-A850-E79FE924456C}" type="datetimeFigureOut">
               <a:rPr lang="zh-CN" altLang="en-US" smtClean="0"/>
-              <a:t>2019/11/6</a:t>
+              <a:t>2019/11/17</a:t>
             </a:fld>
             <a:endParaRPr lang="zh-CN" altLang="en-US"/>
           </a:p>
@@ -1398,7 +1408,7 @@
           <a:p>
             <a:fld id="{99754A40-2ACA-4C3E-A850-E79FE924456C}" type="datetimeFigureOut">
               <a:rPr lang="zh-CN" altLang="en-US" smtClean="0"/>
-              <a:t>2019/11/6</a:t>
+              <a:t>2019/11/17</a:t>
             </a:fld>
             <a:endParaRPr lang="zh-CN" altLang="en-US"/>
           </a:p>
@@ -1810,7 +1820,7 @@
           <a:p>
             <a:fld id="{99754A40-2ACA-4C3E-A850-E79FE924456C}" type="datetimeFigureOut">
               <a:rPr lang="zh-CN" altLang="en-US" smtClean="0"/>
-              <a:t>2019/11/6</a:t>
+              <a:t>2019/11/17</a:t>
             </a:fld>
             <a:endParaRPr lang="zh-CN" altLang="en-US"/>
           </a:p>
@@ -1951,7 +1961,7 @@
           <a:p>
             <a:fld id="{99754A40-2ACA-4C3E-A850-E79FE924456C}" type="datetimeFigureOut">
               <a:rPr lang="zh-CN" altLang="en-US" smtClean="0"/>
-              <a:t>2019/11/6</a:t>
+              <a:t>2019/11/17</a:t>
             </a:fld>
             <a:endParaRPr lang="zh-CN" altLang="en-US"/>
           </a:p>
@@ -2064,7 +2074,7 @@
           <a:p>
             <a:fld id="{99754A40-2ACA-4C3E-A850-E79FE924456C}" type="datetimeFigureOut">
               <a:rPr lang="zh-CN" altLang="en-US" smtClean="0"/>
-              <a:t>2019/11/6</a:t>
+              <a:t>2019/11/17</a:t>
             </a:fld>
             <a:endParaRPr lang="zh-CN" altLang="en-US"/>
           </a:p>
@@ -2375,7 +2385,7 @@
           <a:p>
             <a:fld id="{99754A40-2ACA-4C3E-A850-E79FE924456C}" type="datetimeFigureOut">
               <a:rPr lang="zh-CN" altLang="en-US" smtClean="0"/>
-              <a:t>2019/11/6</a:t>
+              <a:t>2019/11/17</a:t>
             </a:fld>
             <a:endParaRPr lang="zh-CN" altLang="en-US"/>
           </a:p>
@@ -2663,7 +2673,7 @@
           <a:p>
             <a:fld id="{99754A40-2ACA-4C3E-A850-E79FE924456C}" type="datetimeFigureOut">
               <a:rPr lang="zh-CN" altLang="en-US" smtClean="0"/>
-              <a:t>2019/11/6</a:t>
+              <a:t>2019/11/17</a:t>
             </a:fld>
             <a:endParaRPr lang="zh-CN" altLang="en-US"/>
           </a:p>
@@ -2904,7 +2914,7 @@
           <a:p>
             <a:fld id="{99754A40-2ACA-4C3E-A850-E79FE924456C}" type="datetimeFigureOut">
               <a:rPr lang="zh-CN" altLang="en-US" smtClean="0"/>
-              <a:t>2019/11/6</a:t>
+              <a:t>2019/11/17</a:t>
             </a:fld>
             <a:endParaRPr lang="zh-CN" altLang="en-US"/>
           </a:p>
@@ -4423,6 +4433,696 @@
 </p:sld>
 </file>
 
+<file path=ppt/slides/slide2.xml><?xml version="1.0" encoding="utf-8"?>
+<p:sld xmlns:a="http://schemas.openxmlformats.org/drawingml/2006/main" xmlns:r="http://schemas.openxmlformats.org/officeDocument/2006/relationships" xmlns:p="http://schemas.openxmlformats.org/presentationml/2006/main">
+  <p:cSld>
+    <p:spTree>
+      <p:nvGrpSpPr>
+        <p:cNvPr id="1" name=""/>
+        <p:cNvGrpSpPr/>
+        <p:nvPr/>
+      </p:nvGrpSpPr>
+      <p:grpSpPr>
+        <a:xfrm>
+          <a:off x="0" y="0"/>
+          <a:ext cx="0" cy="0"/>
+          <a:chOff x="0" y="0"/>
+          <a:chExt cx="0" cy="0"/>
+        </a:xfrm>
+      </p:grpSpPr>
+      <p:pic>
+        <p:nvPicPr>
+          <p:cNvPr id="1026" name="图片 2">
+            <a:extLst>
+              <a:ext uri="{FF2B5EF4-FFF2-40B4-BE49-F238E27FC236}">
+                <a16:creationId xmlns:a16="http://schemas.microsoft.com/office/drawing/2014/main" id="{A9D2589A-F55E-409B-9A84-BBDDC3288358}"/>
+              </a:ext>
+            </a:extLst>
+          </p:cNvPr>
+          <p:cNvPicPr>
+            <a:picLocks noChangeAspect="1" noChangeArrowheads="1"/>
+          </p:cNvPicPr>
+          <p:nvPr/>
+        </p:nvPicPr>
+        <p:blipFill>
+          <a:blip r:embed="rId2">
+            <a:extLst>
+              <a:ext uri="{28A0092B-C50C-407E-A947-70E740481C1C}">
+                <a14:useLocalDpi xmlns:a14="http://schemas.microsoft.com/office/drawing/2010/main" val="0"/>
+              </a:ext>
+            </a:extLst>
+          </a:blip>
+          <a:srcRect/>
+          <a:stretch>
+            <a:fillRect/>
+          </a:stretch>
+        </p:blipFill>
+        <p:spPr bwMode="auto">
+          <a:xfrm>
+            <a:off x="2906631" y="2500312"/>
+            <a:ext cx="2754313" cy="1857375"/>
+          </a:xfrm>
+          <a:prstGeom prst="rect">
+            <a:avLst/>
+          </a:prstGeom>
+          <a:noFill/>
+          <a:ln>
+            <a:noFill/>
+          </a:ln>
+          <a:extLst>
+            <a:ext uri="{909E8E84-426E-40DD-AFC4-6F175D3DCCD1}">
+              <a14:hiddenFill xmlns:a14="http://schemas.microsoft.com/office/drawing/2010/main">
+                <a:solidFill>
+                  <a:srgbClr val="FFFFFF"/>
+                </a:solidFill>
+              </a14:hiddenFill>
+            </a:ext>
+            <a:ext uri="{91240B29-F687-4F45-9708-019B960494DF}">
+              <a14:hiddenLine xmlns:a14="http://schemas.microsoft.com/office/drawing/2010/main" w="9525">
+                <a:solidFill>
+                  <a:srgbClr val="000000"/>
+                </a:solidFill>
+                <a:miter lim="800000"/>
+                <a:headEnd/>
+                <a:tailEnd/>
+              </a14:hiddenLine>
+            </a:ext>
+          </a:extLst>
+        </p:spPr>
+      </p:pic>
+      <p:pic>
+        <p:nvPicPr>
+          <p:cNvPr id="1027" name="图片 3">
+            <a:extLst>
+              <a:ext uri="{FF2B5EF4-FFF2-40B4-BE49-F238E27FC236}">
+                <a16:creationId xmlns:a16="http://schemas.microsoft.com/office/drawing/2014/main" id="{7FB075E2-9E3F-408A-A4C6-9FAA3AF13489}"/>
+              </a:ext>
+            </a:extLst>
+          </p:cNvPr>
+          <p:cNvPicPr>
+            <a:picLocks noChangeAspect="1" noChangeArrowheads="1"/>
+          </p:cNvPicPr>
+          <p:nvPr/>
+        </p:nvPicPr>
+        <p:blipFill>
+          <a:blip r:embed="rId3">
+            <a:extLst>
+              <a:ext uri="{28A0092B-C50C-407E-A947-70E740481C1C}">
+                <a14:useLocalDpi xmlns:a14="http://schemas.microsoft.com/office/drawing/2010/main" val="0"/>
+              </a:ext>
+            </a:extLst>
+          </a:blip>
+          <a:srcRect/>
+          <a:stretch>
+            <a:fillRect/>
+          </a:stretch>
+        </p:blipFill>
+        <p:spPr bwMode="auto">
+          <a:xfrm>
+            <a:off x="5660944" y="2500312"/>
+            <a:ext cx="2286000" cy="1828800"/>
+          </a:xfrm>
+          <a:prstGeom prst="rect">
+            <a:avLst/>
+          </a:prstGeom>
+          <a:noFill/>
+          <a:ln>
+            <a:noFill/>
+          </a:ln>
+          <a:extLst>
+            <a:ext uri="{909E8E84-426E-40DD-AFC4-6F175D3DCCD1}">
+              <a14:hiddenFill xmlns:a14="http://schemas.microsoft.com/office/drawing/2010/main">
+                <a:solidFill>
+                  <a:srgbClr val="FFFFFF"/>
+                </a:solidFill>
+              </a14:hiddenFill>
+            </a:ext>
+            <a:ext uri="{91240B29-F687-4F45-9708-019B960494DF}">
+              <a14:hiddenLine xmlns:a14="http://schemas.microsoft.com/office/drawing/2010/main" w="9525">
+                <a:solidFill>
+                  <a:srgbClr val="000000"/>
+                </a:solidFill>
+                <a:miter lim="800000"/>
+                <a:headEnd/>
+                <a:tailEnd/>
+              </a14:hiddenLine>
+            </a:ext>
+          </a:extLst>
+        </p:spPr>
+      </p:pic>
+    </p:spTree>
+    <p:extLst>
+      <p:ext uri="{BB962C8B-B14F-4D97-AF65-F5344CB8AC3E}">
+        <p14:creationId xmlns:p14="http://schemas.microsoft.com/office/powerpoint/2010/main" val="2799791791"/>
+      </p:ext>
+    </p:extLst>
+  </p:cSld>
+  <p:clrMapOvr>
+    <a:masterClrMapping/>
+  </p:clrMapOvr>
+</p:sld>
+</file>
+
+<file path=ppt/slides/slide3.xml><?xml version="1.0" encoding="utf-8"?>
+<p:sld xmlns:a="http://schemas.openxmlformats.org/drawingml/2006/main" xmlns:r="http://schemas.openxmlformats.org/officeDocument/2006/relationships" xmlns:p="http://schemas.openxmlformats.org/presentationml/2006/main">
+  <p:cSld>
+    <p:spTree>
+      <p:nvGrpSpPr>
+        <p:cNvPr id="1" name=""/>
+        <p:cNvGrpSpPr/>
+        <p:nvPr/>
+      </p:nvGrpSpPr>
+      <p:grpSpPr>
+        <a:xfrm>
+          <a:off x="0" y="0"/>
+          <a:ext cx="0" cy="0"/>
+          <a:chOff x="0" y="0"/>
+          <a:chExt cx="0" cy="0"/>
+        </a:xfrm>
+      </p:grpSpPr>
+      <p:pic>
+        <p:nvPicPr>
+          <p:cNvPr id="2050" name="图片 4">
+            <a:extLst>
+              <a:ext uri="{FF2B5EF4-FFF2-40B4-BE49-F238E27FC236}">
+                <a16:creationId xmlns:a16="http://schemas.microsoft.com/office/drawing/2014/main" id="{8BD59CBB-9975-4D9D-BE2D-5234C6F3D910}"/>
+              </a:ext>
+            </a:extLst>
+          </p:cNvPr>
+          <p:cNvPicPr>
+            <a:picLocks noChangeAspect="1" noChangeArrowheads="1"/>
+          </p:cNvPicPr>
+          <p:nvPr/>
+        </p:nvPicPr>
+        <p:blipFill>
+          <a:blip r:embed="rId2">
+            <a:extLst>
+              <a:ext uri="{28A0092B-C50C-407E-A947-70E740481C1C}">
+                <a14:useLocalDpi xmlns:a14="http://schemas.microsoft.com/office/drawing/2010/main" val="0"/>
+              </a:ext>
+            </a:extLst>
+          </a:blip>
+          <a:srcRect/>
+          <a:stretch>
+            <a:fillRect/>
+          </a:stretch>
+        </p:blipFill>
+        <p:spPr bwMode="auto">
+          <a:xfrm>
+            <a:off x="1418784" y="2241550"/>
+            <a:ext cx="2484437" cy="2374900"/>
+          </a:xfrm>
+          <a:prstGeom prst="rect">
+            <a:avLst/>
+          </a:prstGeom>
+          <a:noFill/>
+          <a:ln>
+            <a:noFill/>
+          </a:ln>
+          <a:extLst>
+            <a:ext uri="{909E8E84-426E-40DD-AFC4-6F175D3DCCD1}">
+              <a14:hiddenFill xmlns:a14="http://schemas.microsoft.com/office/drawing/2010/main">
+                <a:solidFill>
+                  <a:srgbClr val="FFFFFF"/>
+                </a:solidFill>
+              </a14:hiddenFill>
+            </a:ext>
+            <a:ext uri="{91240B29-F687-4F45-9708-019B960494DF}">
+              <a14:hiddenLine xmlns:a14="http://schemas.microsoft.com/office/drawing/2010/main" w="9525">
+                <a:solidFill>
+                  <a:srgbClr val="000000"/>
+                </a:solidFill>
+                <a:miter lim="800000"/>
+                <a:headEnd/>
+                <a:tailEnd/>
+              </a14:hiddenLine>
+            </a:ext>
+          </a:extLst>
+        </p:spPr>
+      </p:pic>
+      <p:pic>
+        <p:nvPicPr>
+          <p:cNvPr id="2051" name="图片 5">
+            <a:extLst>
+              <a:ext uri="{FF2B5EF4-FFF2-40B4-BE49-F238E27FC236}">
+                <a16:creationId xmlns:a16="http://schemas.microsoft.com/office/drawing/2014/main" id="{8D83B2F3-509F-42ED-BE01-90EDF272ADA0}"/>
+              </a:ext>
+            </a:extLst>
+          </p:cNvPr>
+          <p:cNvPicPr>
+            <a:picLocks noChangeAspect="1" noChangeArrowheads="1"/>
+          </p:cNvPicPr>
+          <p:nvPr/>
+        </p:nvPicPr>
+        <p:blipFill>
+          <a:blip r:embed="rId3">
+            <a:extLst>
+              <a:ext uri="{28A0092B-C50C-407E-A947-70E740481C1C}">
+                <a14:useLocalDpi xmlns:a14="http://schemas.microsoft.com/office/drawing/2010/main" val="0"/>
+              </a:ext>
+            </a:extLst>
+          </a:blip>
+          <a:srcRect/>
+          <a:stretch>
+            <a:fillRect/>
+          </a:stretch>
+        </p:blipFill>
+        <p:spPr bwMode="auto">
+          <a:xfrm>
+            <a:off x="3903221" y="2254250"/>
+            <a:ext cx="2257425" cy="2362200"/>
+          </a:xfrm>
+          <a:prstGeom prst="rect">
+            <a:avLst/>
+          </a:prstGeom>
+          <a:noFill/>
+          <a:ln>
+            <a:noFill/>
+          </a:ln>
+          <a:extLst>
+            <a:ext uri="{909E8E84-426E-40DD-AFC4-6F175D3DCCD1}">
+              <a14:hiddenFill xmlns:a14="http://schemas.microsoft.com/office/drawing/2010/main">
+                <a:solidFill>
+                  <a:srgbClr val="FFFFFF"/>
+                </a:solidFill>
+              </a14:hiddenFill>
+            </a:ext>
+            <a:ext uri="{91240B29-F687-4F45-9708-019B960494DF}">
+              <a14:hiddenLine xmlns:a14="http://schemas.microsoft.com/office/drawing/2010/main" w="9525">
+                <a:solidFill>
+                  <a:srgbClr val="000000"/>
+                </a:solidFill>
+                <a:miter lim="800000"/>
+                <a:headEnd/>
+                <a:tailEnd/>
+              </a14:hiddenLine>
+            </a:ext>
+          </a:extLst>
+        </p:spPr>
+      </p:pic>
+    </p:spTree>
+    <p:extLst>
+      <p:ext uri="{BB962C8B-B14F-4D97-AF65-F5344CB8AC3E}">
+        <p14:creationId xmlns:p14="http://schemas.microsoft.com/office/powerpoint/2010/main" val="1237822450"/>
+      </p:ext>
+    </p:extLst>
+  </p:cSld>
+  <p:clrMapOvr>
+    <a:masterClrMapping/>
+  </p:clrMapOvr>
+</p:sld>
+</file>
+
+<file path=ppt/slides/slide4.xml><?xml version="1.0" encoding="utf-8"?>
+<p:sld xmlns:a="http://schemas.openxmlformats.org/drawingml/2006/main" xmlns:r="http://schemas.openxmlformats.org/officeDocument/2006/relationships" xmlns:p="http://schemas.openxmlformats.org/presentationml/2006/main">
+  <p:cSld>
+    <p:spTree>
+      <p:nvGrpSpPr>
+        <p:cNvPr id="1" name=""/>
+        <p:cNvGrpSpPr/>
+        <p:nvPr/>
+      </p:nvGrpSpPr>
+      <p:grpSpPr>
+        <a:xfrm>
+          <a:off x="0" y="0"/>
+          <a:ext cx="0" cy="0"/>
+          <a:chOff x="0" y="0"/>
+          <a:chExt cx="0" cy="0"/>
+        </a:xfrm>
+      </p:grpSpPr>
+      <p:pic>
+        <p:nvPicPr>
+          <p:cNvPr id="3074" name="图片 6">
+            <a:extLst>
+              <a:ext uri="{FF2B5EF4-FFF2-40B4-BE49-F238E27FC236}">
+                <a16:creationId xmlns:a16="http://schemas.microsoft.com/office/drawing/2014/main" id="{4B60936F-426D-4EE9-B446-CDB6FDE44938}"/>
+              </a:ext>
+            </a:extLst>
+          </p:cNvPr>
+          <p:cNvPicPr>
+            <a:picLocks noChangeAspect="1" noChangeArrowheads="1"/>
+          </p:cNvPicPr>
+          <p:nvPr/>
+        </p:nvPicPr>
+        <p:blipFill>
+          <a:blip r:embed="rId2">
+            <a:extLst>
+              <a:ext uri="{28A0092B-C50C-407E-A947-70E740481C1C}">
+                <a14:useLocalDpi xmlns:a14="http://schemas.microsoft.com/office/drawing/2010/main" val="0"/>
+              </a:ext>
+            </a:extLst>
+          </a:blip>
+          <a:srcRect/>
+          <a:stretch>
+            <a:fillRect/>
+          </a:stretch>
+        </p:blipFill>
+        <p:spPr bwMode="auto">
+          <a:xfrm>
+            <a:off x="995363" y="2333184"/>
+            <a:ext cx="3048000" cy="2438400"/>
+          </a:xfrm>
+          <a:prstGeom prst="rect">
+            <a:avLst/>
+          </a:prstGeom>
+          <a:noFill/>
+          <a:ln>
+            <a:noFill/>
+          </a:ln>
+          <a:extLst>
+            <a:ext uri="{909E8E84-426E-40DD-AFC4-6F175D3DCCD1}">
+              <a14:hiddenFill xmlns:a14="http://schemas.microsoft.com/office/drawing/2010/main">
+                <a:solidFill>
+                  <a:srgbClr val="FFFFFF"/>
+                </a:solidFill>
+              </a14:hiddenFill>
+            </a:ext>
+            <a:ext uri="{91240B29-F687-4F45-9708-019B960494DF}">
+              <a14:hiddenLine xmlns:a14="http://schemas.microsoft.com/office/drawing/2010/main" w="9525">
+                <a:solidFill>
+                  <a:srgbClr val="000000"/>
+                </a:solidFill>
+                <a:miter lim="800000"/>
+                <a:headEnd/>
+                <a:tailEnd/>
+              </a14:hiddenLine>
+            </a:ext>
+          </a:extLst>
+        </p:spPr>
+      </p:pic>
+      <p:pic>
+        <p:nvPicPr>
+          <p:cNvPr id="3075" name="图片 7">
+            <a:extLst>
+              <a:ext uri="{FF2B5EF4-FFF2-40B4-BE49-F238E27FC236}">
+                <a16:creationId xmlns:a16="http://schemas.microsoft.com/office/drawing/2014/main" id="{C1F538FD-474F-4A3C-A999-339997223441}"/>
+              </a:ext>
+            </a:extLst>
+          </p:cNvPr>
+          <p:cNvPicPr>
+            <a:picLocks noChangeAspect="1" noChangeArrowheads="1"/>
+          </p:cNvPicPr>
+          <p:nvPr/>
+        </p:nvPicPr>
+        <p:blipFill>
+          <a:blip r:embed="rId3">
+            <a:extLst>
+              <a:ext uri="{28A0092B-C50C-407E-A947-70E740481C1C}">
+                <a14:useLocalDpi xmlns:a14="http://schemas.microsoft.com/office/drawing/2010/main" val="0"/>
+              </a:ext>
+            </a:extLst>
+          </a:blip>
+          <a:srcRect/>
+          <a:stretch>
+            <a:fillRect/>
+          </a:stretch>
+        </p:blipFill>
+        <p:spPr bwMode="auto">
+          <a:xfrm>
+            <a:off x="4043363" y="2333184"/>
+            <a:ext cx="1981200" cy="2438400"/>
+          </a:xfrm>
+          <a:prstGeom prst="rect">
+            <a:avLst/>
+          </a:prstGeom>
+          <a:noFill/>
+          <a:ln>
+            <a:noFill/>
+          </a:ln>
+          <a:extLst>
+            <a:ext uri="{909E8E84-426E-40DD-AFC4-6F175D3DCCD1}">
+              <a14:hiddenFill xmlns:a14="http://schemas.microsoft.com/office/drawing/2010/main">
+                <a:solidFill>
+                  <a:srgbClr val="FFFFFF"/>
+                </a:solidFill>
+              </a14:hiddenFill>
+            </a:ext>
+            <a:ext uri="{91240B29-F687-4F45-9708-019B960494DF}">
+              <a14:hiddenLine xmlns:a14="http://schemas.microsoft.com/office/drawing/2010/main" w="9525">
+                <a:solidFill>
+                  <a:srgbClr val="000000"/>
+                </a:solidFill>
+                <a:miter lim="800000"/>
+                <a:headEnd/>
+                <a:tailEnd/>
+              </a14:hiddenLine>
+            </a:ext>
+          </a:extLst>
+        </p:spPr>
+      </p:pic>
+    </p:spTree>
+    <p:extLst>
+      <p:ext uri="{BB962C8B-B14F-4D97-AF65-F5344CB8AC3E}">
+        <p14:creationId xmlns:p14="http://schemas.microsoft.com/office/powerpoint/2010/main" val="3287135304"/>
+      </p:ext>
+    </p:extLst>
+  </p:cSld>
+  <p:clrMapOvr>
+    <a:masterClrMapping/>
+  </p:clrMapOvr>
+</p:sld>
+</file>
+
+<file path=ppt/slides/slide5.xml><?xml version="1.0" encoding="utf-8"?>
+<p:sld xmlns:a="http://schemas.openxmlformats.org/drawingml/2006/main" xmlns:r="http://schemas.openxmlformats.org/officeDocument/2006/relationships" xmlns:p="http://schemas.openxmlformats.org/presentationml/2006/main">
+  <p:cSld>
+    <p:spTree>
+      <p:nvGrpSpPr>
+        <p:cNvPr id="1" name=""/>
+        <p:cNvGrpSpPr/>
+        <p:nvPr/>
+      </p:nvGrpSpPr>
+      <p:grpSpPr>
+        <a:xfrm>
+          <a:off x="0" y="0"/>
+          <a:ext cx="0" cy="0"/>
+          <a:chOff x="0" y="0"/>
+          <a:chExt cx="0" cy="0"/>
+        </a:xfrm>
+      </p:grpSpPr>
+      <p:pic>
+        <p:nvPicPr>
+          <p:cNvPr id="4098" name="图片 23" descr="IMG_256">
+            <a:extLst>
+              <a:ext uri="{FF2B5EF4-FFF2-40B4-BE49-F238E27FC236}">
+                <a16:creationId xmlns:a16="http://schemas.microsoft.com/office/drawing/2014/main" id="{D7C028C2-AA6E-46F5-A8A8-19F4E8F01FAA}"/>
+              </a:ext>
+            </a:extLst>
+          </p:cNvPr>
+          <p:cNvPicPr>
+            <a:picLocks noChangeAspect="1" noChangeArrowheads="1"/>
+          </p:cNvPicPr>
+          <p:nvPr/>
+        </p:nvPicPr>
+        <p:blipFill>
+          <a:blip r:embed="rId2">
+            <a:extLst>
+              <a:ext uri="{28A0092B-C50C-407E-A947-70E740481C1C}">
+                <a14:useLocalDpi xmlns:a14="http://schemas.microsoft.com/office/drawing/2010/main" val="0"/>
+              </a:ext>
+            </a:extLst>
+          </a:blip>
+          <a:srcRect/>
+          <a:stretch>
+            <a:fillRect/>
+          </a:stretch>
+        </p:blipFill>
+        <p:spPr bwMode="auto">
+          <a:xfrm>
+            <a:off x="2565139" y="2452687"/>
+            <a:ext cx="2638425" cy="1952625"/>
+          </a:xfrm>
+          <a:prstGeom prst="rect">
+            <a:avLst/>
+          </a:prstGeom>
+          <a:noFill/>
+          <a:ln>
+            <a:noFill/>
+          </a:ln>
+          <a:extLst>
+            <a:ext uri="{909E8E84-426E-40DD-AFC4-6F175D3DCCD1}">
+              <a14:hiddenFill xmlns:a14="http://schemas.microsoft.com/office/drawing/2010/main">
+                <a:solidFill>
+                  <a:srgbClr val="FFFFFF"/>
+                </a:solidFill>
+              </a14:hiddenFill>
+            </a:ext>
+            <a:ext uri="{91240B29-F687-4F45-9708-019B960494DF}">
+              <a14:hiddenLine xmlns:a14="http://schemas.microsoft.com/office/drawing/2010/main" w="9525">
+                <a:solidFill>
+                  <a:srgbClr val="000000"/>
+                </a:solidFill>
+                <a:miter lim="800000"/>
+                <a:headEnd/>
+                <a:tailEnd/>
+              </a14:hiddenLine>
+            </a:ext>
+          </a:extLst>
+        </p:spPr>
+      </p:pic>
+      <p:pic>
+        <p:nvPicPr>
+          <p:cNvPr id="4099" name="图片 24">
+            <a:extLst>
+              <a:ext uri="{FF2B5EF4-FFF2-40B4-BE49-F238E27FC236}">
+                <a16:creationId xmlns:a16="http://schemas.microsoft.com/office/drawing/2014/main" id="{A637C743-BB4F-4C31-AED7-B259F71F6232}"/>
+              </a:ext>
+            </a:extLst>
+          </p:cNvPr>
+          <p:cNvPicPr>
+            <a:picLocks noChangeAspect="1" noChangeArrowheads="1"/>
+          </p:cNvPicPr>
+          <p:nvPr/>
+        </p:nvPicPr>
+        <p:blipFill>
+          <a:blip r:embed="rId3">
+            <a:extLst>
+              <a:ext uri="{28A0092B-C50C-407E-A947-70E740481C1C}">
+                <a14:useLocalDpi xmlns:a14="http://schemas.microsoft.com/office/drawing/2010/main" val="0"/>
+              </a:ext>
+            </a:extLst>
+          </a:blip>
+          <a:srcRect/>
+          <a:stretch>
+            <a:fillRect/>
+          </a:stretch>
+        </p:blipFill>
+        <p:spPr bwMode="auto">
+          <a:xfrm>
+            <a:off x="5203564" y="2452687"/>
+            <a:ext cx="2403475" cy="1952625"/>
+          </a:xfrm>
+          <a:prstGeom prst="rect">
+            <a:avLst/>
+          </a:prstGeom>
+          <a:noFill/>
+          <a:ln>
+            <a:noFill/>
+          </a:ln>
+          <a:extLst>
+            <a:ext uri="{909E8E84-426E-40DD-AFC4-6F175D3DCCD1}">
+              <a14:hiddenFill xmlns:a14="http://schemas.microsoft.com/office/drawing/2010/main">
+                <a:solidFill>
+                  <a:srgbClr val="FFFFFF"/>
+                </a:solidFill>
+              </a14:hiddenFill>
+            </a:ext>
+            <a:ext uri="{91240B29-F687-4F45-9708-019B960494DF}">
+              <a14:hiddenLine xmlns:a14="http://schemas.microsoft.com/office/drawing/2010/main" w="9525">
+                <a:solidFill>
+                  <a:srgbClr val="000000"/>
+                </a:solidFill>
+                <a:miter lim="800000"/>
+                <a:headEnd/>
+                <a:tailEnd/>
+              </a14:hiddenLine>
+            </a:ext>
+          </a:extLst>
+        </p:spPr>
+      </p:pic>
+    </p:spTree>
+    <p:extLst>
+      <p:ext uri="{BB962C8B-B14F-4D97-AF65-F5344CB8AC3E}">
+        <p14:creationId xmlns:p14="http://schemas.microsoft.com/office/powerpoint/2010/main" val="625028966"/>
+      </p:ext>
+    </p:extLst>
+  </p:cSld>
+  <p:clrMapOvr>
+    <a:masterClrMapping/>
+  </p:clrMapOvr>
+</p:sld>
+</file>
+
+<file path=ppt/slides/slide6.xml><?xml version="1.0" encoding="utf-8"?>
+<p:sld xmlns:a="http://schemas.openxmlformats.org/drawingml/2006/main" xmlns:r="http://schemas.openxmlformats.org/officeDocument/2006/relationships" xmlns:p="http://schemas.openxmlformats.org/presentationml/2006/main">
+  <p:cSld>
+    <p:spTree>
+      <p:nvGrpSpPr>
+        <p:cNvPr id="1" name=""/>
+        <p:cNvGrpSpPr/>
+        <p:nvPr/>
+      </p:nvGrpSpPr>
+      <p:grpSpPr>
+        <a:xfrm>
+          <a:off x="0" y="0"/>
+          <a:ext cx="0" cy="0"/>
+          <a:chOff x="0" y="0"/>
+          <a:chExt cx="0" cy="0"/>
+        </a:xfrm>
+      </p:grpSpPr>
+      <p:pic>
+        <p:nvPicPr>
+          <p:cNvPr id="5122" name="图片 59" descr="C:\Users\duke\AppData\Local\Temp\SNAGHTML9839641.PNG">
+            <a:extLst>
+              <a:ext uri="{FF2B5EF4-FFF2-40B4-BE49-F238E27FC236}">
+                <a16:creationId xmlns:a16="http://schemas.microsoft.com/office/drawing/2014/main" id="{E88B5FEF-F4AD-4562-8C94-B22937201D82}"/>
+              </a:ext>
+            </a:extLst>
+          </p:cNvPr>
+          <p:cNvPicPr>
+            <a:picLocks noChangeAspect="1" noChangeArrowheads="1"/>
+          </p:cNvPicPr>
+          <p:nvPr/>
+        </p:nvPicPr>
+        <p:blipFill>
+          <a:blip r:embed="rId2">
+            <a:extLst>
+              <a:ext uri="{28A0092B-C50C-407E-A947-70E740481C1C}">
+                <a14:useLocalDpi xmlns:a14="http://schemas.microsoft.com/office/drawing/2010/main" val="0"/>
+              </a:ext>
+            </a:extLst>
+          </a:blip>
+          <a:srcRect/>
+          <a:stretch>
+            <a:fillRect/>
+          </a:stretch>
+        </p:blipFill>
+        <p:spPr bwMode="auto">
+          <a:xfrm>
+            <a:off x="2887777" y="2078660"/>
+            <a:ext cx="5421313" cy="2514600"/>
+          </a:xfrm>
+          <a:prstGeom prst="rect">
+            <a:avLst/>
+          </a:prstGeom>
+          <a:noFill/>
+          <a:ln>
+            <a:noFill/>
+          </a:ln>
+          <a:extLst>
+            <a:ext uri="{909E8E84-426E-40DD-AFC4-6F175D3DCCD1}">
+              <a14:hiddenFill xmlns:a14="http://schemas.microsoft.com/office/drawing/2010/main">
+                <a:solidFill>
+                  <a:srgbClr val="FFFFFF"/>
+                </a:solidFill>
+              </a14:hiddenFill>
+            </a:ext>
+            <a:ext uri="{91240B29-F687-4F45-9708-019B960494DF}">
+              <a14:hiddenLine xmlns:a14="http://schemas.microsoft.com/office/drawing/2010/main" w="9525">
+                <a:solidFill>
+                  <a:srgbClr val="000000"/>
+                </a:solidFill>
+                <a:miter lim="800000"/>
+                <a:headEnd/>
+                <a:tailEnd/>
+              </a14:hiddenLine>
+            </a:ext>
+          </a:extLst>
+        </p:spPr>
+      </p:pic>
+    </p:spTree>
+    <p:extLst>
+      <p:ext uri="{BB962C8B-B14F-4D97-AF65-F5344CB8AC3E}">
+        <p14:creationId xmlns:p14="http://schemas.microsoft.com/office/powerpoint/2010/main" val="1730620453"/>
+      </p:ext>
+    </p:extLst>
+  </p:cSld>
+  <p:clrMapOvr>
+    <a:masterClrMapping/>
+  </p:clrMapOvr>
+</p:sld>
+</file>
+
 <file path=ppt/theme/theme1.xml><?xml version="1.0" encoding="utf-8"?>
 <a:theme xmlns:a="http://schemas.openxmlformats.org/drawingml/2006/main" name="Office 主题​​">
   <a:themeElements>

--- a/图片设计.pptx
+++ b/图片设计.pptx
@@ -5,12 +5,13 @@
     <p:sldMasterId id="2147483648" r:id="rId1"/>
   </p:sldMasterIdLst>
   <p:sldIdLst>
-    <p:sldId id="256" r:id="rId2"/>
-    <p:sldId id="257" r:id="rId3"/>
-    <p:sldId id="258" r:id="rId4"/>
-    <p:sldId id="259" r:id="rId5"/>
-    <p:sldId id="260" r:id="rId6"/>
-    <p:sldId id="261" r:id="rId7"/>
+    <p:sldId id="262" r:id="rId2"/>
+    <p:sldId id="256" r:id="rId3"/>
+    <p:sldId id="257" r:id="rId4"/>
+    <p:sldId id="258" r:id="rId5"/>
+    <p:sldId id="259" r:id="rId6"/>
+    <p:sldId id="260" r:id="rId7"/>
+    <p:sldId id="261" r:id="rId8"/>
   </p:sldIdLst>
   <p:sldSz cx="12192000" cy="6858000"/>
   <p:notesSz cx="6858000" cy="9144000"/>
@@ -264,7 +265,7 @@
           <a:p>
             <a:fld id="{99754A40-2ACA-4C3E-A850-E79FE924456C}" type="datetimeFigureOut">
               <a:rPr lang="zh-CN" altLang="en-US" smtClean="0"/>
-              <a:t>2019/11/17</a:t>
+              <a:t>2019/11/19</a:t>
             </a:fld>
             <a:endParaRPr lang="zh-CN" altLang="en-US"/>
           </a:p>
@@ -462,7 +463,7 @@
           <a:p>
             <a:fld id="{99754A40-2ACA-4C3E-A850-E79FE924456C}" type="datetimeFigureOut">
               <a:rPr lang="zh-CN" altLang="en-US" smtClean="0"/>
-              <a:t>2019/11/17</a:t>
+              <a:t>2019/11/19</a:t>
             </a:fld>
             <a:endParaRPr lang="zh-CN" altLang="en-US"/>
           </a:p>
@@ -670,7 +671,7 @@
           <a:p>
             <a:fld id="{99754A40-2ACA-4C3E-A850-E79FE924456C}" type="datetimeFigureOut">
               <a:rPr lang="zh-CN" altLang="en-US" smtClean="0"/>
-              <a:t>2019/11/17</a:t>
+              <a:t>2019/11/19</a:t>
             </a:fld>
             <a:endParaRPr lang="zh-CN" altLang="en-US"/>
           </a:p>
@@ -868,7 +869,7 @@
           <a:p>
             <a:fld id="{99754A40-2ACA-4C3E-A850-E79FE924456C}" type="datetimeFigureOut">
               <a:rPr lang="zh-CN" altLang="en-US" smtClean="0"/>
-              <a:t>2019/11/17</a:t>
+              <a:t>2019/11/19</a:t>
             </a:fld>
             <a:endParaRPr lang="zh-CN" altLang="en-US"/>
           </a:p>
@@ -1143,7 +1144,7 @@
           <a:p>
             <a:fld id="{99754A40-2ACA-4C3E-A850-E79FE924456C}" type="datetimeFigureOut">
               <a:rPr lang="zh-CN" altLang="en-US" smtClean="0"/>
-              <a:t>2019/11/17</a:t>
+              <a:t>2019/11/19</a:t>
             </a:fld>
             <a:endParaRPr lang="zh-CN" altLang="en-US"/>
           </a:p>
@@ -1408,7 +1409,7 @@
           <a:p>
             <a:fld id="{99754A40-2ACA-4C3E-A850-E79FE924456C}" type="datetimeFigureOut">
               <a:rPr lang="zh-CN" altLang="en-US" smtClean="0"/>
-              <a:t>2019/11/17</a:t>
+              <a:t>2019/11/19</a:t>
             </a:fld>
             <a:endParaRPr lang="zh-CN" altLang="en-US"/>
           </a:p>
@@ -1820,7 +1821,7 @@
           <a:p>
             <a:fld id="{99754A40-2ACA-4C3E-A850-E79FE924456C}" type="datetimeFigureOut">
               <a:rPr lang="zh-CN" altLang="en-US" smtClean="0"/>
-              <a:t>2019/11/17</a:t>
+              <a:t>2019/11/19</a:t>
             </a:fld>
             <a:endParaRPr lang="zh-CN" altLang="en-US"/>
           </a:p>
@@ -1961,7 +1962,7 @@
           <a:p>
             <a:fld id="{99754A40-2ACA-4C3E-A850-E79FE924456C}" type="datetimeFigureOut">
               <a:rPr lang="zh-CN" altLang="en-US" smtClean="0"/>
-              <a:t>2019/11/17</a:t>
+              <a:t>2019/11/19</a:t>
             </a:fld>
             <a:endParaRPr lang="zh-CN" altLang="en-US"/>
           </a:p>
@@ -2074,7 +2075,7 @@
           <a:p>
             <a:fld id="{99754A40-2ACA-4C3E-A850-E79FE924456C}" type="datetimeFigureOut">
               <a:rPr lang="zh-CN" altLang="en-US" smtClean="0"/>
-              <a:t>2019/11/17</a:t>
+              <a:t>2019/11/19</a:t>
             </a:fld>
             <a:endParaRPr lang="zh-CN" altLang="en-US"/>
           </a:p>
@@ -2385,7 +2386,7 @@
           <a:p>
             <a:fld id="{99754A40-2ACA-4C3E-A850-E79FE924456C}" type="datetimeFigureOut">
               <a:rPr lang="zh-CN" altLang="en-US" smtClean="0"/>
-              <a:t>2019/11/17</a:t>
+              <a:t>2019/11/19</a:t>
             </a:fld>
             <a:endParaRPr lang="zh-CN" altLang="en-US"/>
           </a:p>
@@ -2673,7 +2674,7 @@
           <a:p>
             <a:fld id="{99754A40-2ACA-4C3E-A850-E79FE924456C}" type="datetimeFigureOut">
               <a:rPr lang="zh-CN" altLang="en-US" smtClean="0"/>
-              <a:t>2019/11/17</a:t>
+              <a:t>2019/11/19</a:t>
             </a:fld>
             <a:endParaRPr lang="zh-CN" altLang="en-US"/>
           </a:p>
@@ -2914,7 +2915,7 @@
           <a:p>
             <a:fld id="{99754A40-2ACA-4C3E-A850-E79FE924456C}" type="datetimeFigureOut">
               <a:rPr lang="zh-CN" altLang="en-US" smtClean="0"/>
-              <a:t>2019/11/17</a:t>
+              <a:t>2019/11/19</a:t>
             </a:fld>
             <a:endParaRPr lang="zh-CN" altLang="en-US"/>
           </a:p>
@@ -3333,10 +3334,10 @@
       </p:grpSpPr>
       <p:sp>
         <p:nvSpPr>
-          <p:cNvPr id="67" name="矩形 66">
-            <a:extLst>
-              <a:ext uri="{FF2B5EF4-FFF2-40B4-BE49-F238E27FC236}">
-                <a16:creationId xmlns:a16="http://schemas.microsoft.com/office/drawing/2014/main" id="{04D73C1C-3CC3-44ED-BA8F-1197EBB322D1}"/>
+          <p:cNvPr id="10" name="矩形: 圆角 9">
+            <a:extLst>
+              <a:ext uri="{FF2B5EF4-FFF2-40B4-BE49-F238E27FC236}">
+                <a16:creationId xmlns:a16="http://schemas.microsoft.com/office/drawing/2014/main" id="{8D1157FA-95DA-492C-A31F-401685999E8A}"/>
               </a:ext>
             </a:extLst>
           </p:cNvPr>
@@ -3345,85 +3346,25 @@
         </p:nvSpPr>
         <p:spPr>
           <a:xfrm>
-            <a:off x="2766411" y="1118681"/>
-            <a:ext cx="7544908" cy="5387304"/>
-          </a:xfrm>
-          <a:prstGeom prst="rect">
-            <a:avLst/>
-          </a:prstGeom>
-          <a:solidFill>
-            <a:schemeClr val="bg1"/>
-          </a:solidFill>
-          <a:ln w="25400"/>
-        </p:spPr>
-        <p:style>
-          <a:lnRef idx="2">
-            <a:schemeClr val="accent1">
-              <a:shade val="50000"/>
-            </a:schemeClr>
-          </a:lnRef>
-          <a:fillRef idx="1">
-            <a:schemeClr val="accent1"/>
-          </a:fillRef>
-          <a:effectRef idx="0">
-            <a:schemeClr val="accent1"/>
-          </a:effectRef>
-          <a:fontRef idx="minor">
-            <a:schemeClr val="lt1"/>
-          </a:fontRef>
-        </p:style>
-        <p:txBody>
-          <a:bodyPr rtlCol="0" anchor="ctr"/>
-          <a:lstStyle/>
-          <a:p>
-            <a:pPr algn="ctr"/>
-            <a:endParaRPr lang="zh-CN" altLang="en-US"/>
-          </a:p>
-        </p:txBody>
-      </p:sp>
-      <p:sp>
-        <p:nvSpPr>
-          <p:cNvPr id="4" name="矩形: 圆角 3">
-            <a:extLst>
-              <a:ext uri="{FF2B5EF4-FFF2-40B4-BE49-F238E27FC236}">
-                <a16:creationId xmlns:a16="http://schemas.microsoft.com/office/drawing/2014/main" id="{60B25994-7AD4-4D9A-997A-B4E77EB1F556}"/>
-              </a:ext>
-            </a:extLst>
-          </p:cNvPr>
-          <p:cNvSpPr/>
-          <p:nvPr/>
-        </p:nvSpPr>
-        <p:spPr>
-          <a:xfrm>
-            <a:off x="3455121" y="2709000"/>
-            <a:ext cx="1440000" cy="1440000"/>
+            <a:off x="5374850" y="1787165"/>
+            <a:ext cx="2648932" cy="3853992"/>
           </a:xfrm>
           <a:prstGeom prst="roundRect">
             <a:avLst/>
           </a:prstGeom>
-          <a:solidFill>
-            <a:schemeClr val="bg1"/>
-          </a:solidFill>
-          <a:ln w="25400">
-            <a:solidFill>
-              <a:schemeClr val="tx1"/>
-            </a:solidFill>
-          </a:ln>
         </p:spPr>
         <p:style>
           <a:lnRef idx="2">
-            <a:schemeClr val="accent1">
-              <a:shade val="50000"/>
-            </a:schemeClr>
+            <a:schemeClr val="dk1"/>
           </a:lnRef>
           <a:fillRef idx="1">
-            <a:schemeClr val="accent1"/>
+            <a:schemeClr val="lt1"/>
           </a:fillRef>
           <a:effectRef idx="0">
-            <a:schemeClr val="accent1"/>
+            <a:schemeClr val="dk1"/>
           </a:effectRef>
           <a:fontRef idx="minor">
-            <a:schemeClr val="lt1"/>
+            <a:schemeClr val="dk1"/>
           </a:fontRef>
         </p:style>
         <p:txBody>
@@ -3431,25 +3372,16 @@
           <a:lstStyle/>
           <a:p>
             <a:pPr algn="ctr"/>
-            <a:r>
-              <a:rPr lang="zh-CN" altLang="en-US" b="1" dirty="0">
-                <a:solidFill>
-                  <a:schemeClr val="tx1"/>
-                </a:solidFill>
-                <a:latin typeface="宋体" panose="02010600030101010101" pitchFamily="2" charset="-122"/>
-                <a:ea typeface="宋体" panose="02010600030101010101" pitchFamily="2" charset="-122"/>
-              </a:rPr>
-              <a:t>通讯系统</a:t>
-            </a:r>
-          </a:p>
-        </p:txBody>
-      </p:sp>
-      <p:sp>
-        <p:nvSpPr>
-          <p:cNvPr id="5" name="矩形: 圆角 4">
-            <a:extLst>
-              <a:ext uri="{FF2B5EF4-FFF2-40B4-BE49-F238E27FC236}">
-                <a16:creationId xmlns:a16="http://schemas.microsoft.com/office/drawing/2014/main" id="{6F6AC2EF-CC54-469A-A59F-4D49C72C9562}"/>
+            <a:endParaRPr lang="zh-CN" altLang="en-US" dirty="0"/>
+          </a:p>
+        </p:txBody>
+      </p:sp>
+      <p:sp>
+        <p:nvSpPr>
+          <p:cNvPr id="4" name="矩形: 圆角 3">
+            <a:extLst>
+              <a:ext uri="{FF2B5EF4-FFF2-40B4-BE49-F238E27FC236}">
+                <a16:creationId xmlns:a16="http://schemas.microsoft.com/office/drawing/2014/main" id="{C48C4AB5-30C8-40EF-9900-4D2B0A79DD80}"/>
               </a:ext>
             </a:extLst>
           </p:cNvPr>
@@ -3458,35 +3390,25 @@
         </p:nvSpPr>
         <p:spPr>
           <a:xfrm>
-            <a:off x="5931763" y="1269000"/>
-            <a:ext cx="1440000" cy="1440000"/>
+            <a:off x="342507" y="2922308"/>
+            <a:ext cx="1951348" cy="1036949"/>
           </a:xfrm>
           <a:prstGeom prst="roundRect">
             <a:avLst/>
           </a:prstGeom>
-          <a:solidFill>
-            <a:schemeClr val="bg1"/>
-          </a:solidFill>
-          <a:ln w="25400">
-            <a:solidFill>
-              <a:schemeClr val="tx1"/>
-            </a:solidFill>
-          </a:ln>
         </p:spPr>
         <p:style>
           <a:lnRef idx="2">
-            <a:schemeClr val="accent1">
-              <a:shade val="50000"/>
-            </a:schemeClr>
+            <a:schemeClr val="dk1"/>
           </a:lnRef>
           <a:fillRef idx="1">
-            <a:schemeClr val="accent1"/>
+            <a:schemeClr val="lt1"/>
           </a:fillRef>
           <a:effectRef idx="0">
-            <a:schemeClr val="accent1"/>
+            <a:schemeClr val="dk1"/>
           </a:effectRef>
           <a:fontRef idx="minor">
-            <a:schemeClr val="lt1"/>
+            <a:schemeClr val="dk1"/>
           </a:fontRef>
         </p:style>
         <p:txBody>
@@ -3495,24 +3417,26 @@
           <a:p>
             <a:pPr algn="ctr"/>
             <a:r>
-              <a:rPr lang="zh-CN" altLang="en-US" b="1" dirty="0">
-                <a:solidFill>
-                  <a:schemeClr val="tx1"/>
-                </a:solidFill>
-                <a:latin typeface="宋体" panose="02010600030101010101" pitchFamily="2" charset="-122"/>
-                <a:ea typeface="宋体" panose="02010600030101010101" pitchFamily="2" charset="-122"/>
-              </a:rPr>
-              <a:t>控制系统</a:t>
-            </a:r>
-          </a:p>
-        </p:txBody>
-      </p:sp>
-      <p:sp>
-        <p:nvSpPr>
-          <p:cNvPr id="6" name="矩形: 圆角 5">
-            <a:extLst>
-              <a:ext uri="{FF2B5EF4-FFF2-40B4-BE49-F238E27FC236}">
-                <a16:creationId xmlns:a16="http://schemas.microsoft.com/office/drawing/2014/main" id="{9E5E111D-0411-451F-B870-6C0785FFEB8A}"/>
+              <a:rPr lang="zh-CN" altLang="en-US" dirty="0"/>
+              <a:t>第一章</a:t>
+            </a:r>
+            <a:endParaRPr lang="en-US" altLang="zh-CN" dirty="0"/>
+          </a:p>
+          <a:p>
+            <a:pPr algn="ctr"/>
+            <a:r>
+              <a:rPr lang="zh-CN" altLang="en-US" dirty="0"/>
+              <a:t>带电作业机器人研究内容</a:t>
+            </a:r>
+          </a:p>
+        </p:txBody>
+      </p:sp>
+      <p:sp>
+        <p:nvSpPr>
+          <p:cNvPr id="5" name="矩形: 圆角 4">
+            <a:extLst>
+              <a:ext uri="{FF2B5EF4-FFF2-40B4-BE49-F238E27FC236}">
+                <a16:creationId xmlns:a16="http://schemas.microsoft.com/office/drawing/2014/main" id="{D1423051-B0BD-4420-A5E9-3309F93C9C33}"/>
               </a:ext>
             </a:extLst>
           </p:cNvPr>
@@ -3521,35 +3445,25 @@
         </p:nvSpPr>
         <p:spPr>
           <a:xfrm>
-            <a:off x="8235570" y="4869000"/>
-            <a:ext cx="1440000" cy="1440000"/>
+            <a:off x="2978655" y="2066040"/>
+            <a:ext cx="1951348" cy="1036949"/>
           </a:xfrm>
           <a:prstGeom prst="roundRect">
             <a:avLst/>
           </a:prstGeom>
-          <a:solidFill>
-            <a:schemeClr val="bg1"/>
-          </a:solidFill>
-          <a:ln w="25400">
-            <a:solidFill>
-              <a:schemeClr val="tx1"/>
-            </a:solidFill>
-          </a:ln>
         </p:spPr>
         <p:style>
           <a:lnRef idx="2">
-            <a:schemeClr val="accent1">
-              <a:shade val="50000"/>
-            </a:schemeClr>
+            <a:schemeClr val="dk1"/>
           </a:lnRef>
           <a:fillRef idx="1">
-            <a:schemeClr val="accent1"/>
+            <a:schemeClr val="lt1"/>
           </a:fillRef>
           <a:effectRef idx="0">
-            <a:schemeClr val="accent1"/>
+            <a:schemeClr val="dk1"/>
           </a:effectRef>
           <a:fontRef idx="minor">
-            <a:schemeClr val="lt1"/>
+            <a:schemeClr val="dk1"/>
           </a:fontRef>
         </p:style>
         <p:txBody>
@@ -3558,24 +3472,27 @@
           <a:p>
             <a:pPr algn="ctr"/>
             <a:r>
-              <a:rPr lang="zh-CN" altLang="en-US" b="1" dirty="0">
-                <a:solidFill>
-                  <a:schemeClr val="tx1"/>
-                </a:solidFill>
-                <a:latin typeface="宋体" panose="02010600030101010101" pitchFamily="2" charset="-122"/>
-                <a:ea typeface="宋体" panose="02010600030101010101" pitchFamily="2" charset="-122"/>
-              </a:rPr>
-              <a:t>仿真系统</a:t>
-            </a:r>
-          </a:p>
-        </p:txBody>
-      </p:sp>
-      <p:sp>
-        <p:nvSpPr>
-          <p:cNvPr id="7" name="矩形: 圆角 6">
-            <a:extLst>
-              <a:ext uri="{FF2B5EF4-FFF2-40B4-BE49-F238E27FC236}">
-                <a16:creationId xmlns:a16="http://schemas.microsoft.com/office/drawing/2014/main" id="{E3B884D1-0FA6-4A09-9858-37DEF4123EAB}"/>
+              <a:rPr lang="zh-CN" altLang="en-US" dirty="0"/>
+              <a:t>第二章</a:t>
+            </a:r>
+            <a:endParaRPr lang="en-US" altLang="zh-CN" dirty="0"/>
+          </a:p>
+          <a:p>
+            <a:pPr algn="ctr"/>
+            <a:r>
+              <a:rPr lang="zh-CN" altLang="en-US" dirty="0"/>
+              <a:t>作业平台介绍</a:t>
+            </a:r>
+            <a:endParaRPr lang="en-US" altLang="zh-CN" dirty="0"/>
+          </a:p>
+        </p:txBody>
+      </p:sp>
+      <p:sp>
+        <p:nvSpPr>
+          <p:cNvPr id="6" name="矩形: 圆角 5">
+            <a:extLst>
+              <a:ext uri="{FF2B5EF4-FFF2-40B4-BE49-F238E27FC236}">
+                <a16:creationId xmlns:a16="http://schemas.microsoft.com/office/drawing/2014/main" id="{D04F3300-32F6-49CB-BDEC-D74A28768591}"/>
               </a:ext>
             </a:extLst>
           </p:cNvPr>
@@ -3584,35 +3501,25 @@
         </p:nvSpPr>
         <p:spPr>
           <a:xfrm>
-            <a:off x="8235570" y="3069000"/>
-            <a:ext cx="1440000" cy="1440000"/>
+            <a:off x="2978655" y="3755147"/>
+            <a:ext cx="1951348" cy="1036949"/>
           </a:xfrm>
           <a:prstGeom prst="roundRect">
             <a:avLst/>
           </a:prstGeom>
-          <a:solidFill>
-            <a:schemeClr val="bg1"/>
-          </a:solidFill>
-          <a:ln w="25400">
-            <a:solidFill>
-              <a:schemeClr val="tx1"/>
-            </a:solidFill>
-          </a:ln>
         </p:spPr>
         <p:style>
           <a:lnRef idx="2">
-            <a:schemeClr val="accent1">
-              <a:shade val="50000"/>
-            </a:schemeClr>
+            <a:schemeClr val="dk1"/>
           </a:lnRef>
           <a:fillRef idx="1">
-            <a:schemeClr val="accent1"/>
+            <a:schemeClr val="lt1"/>
           </a:fillRef>
           <a:effectRef idx="0">
-            <a:schemeClr val="accent1"/>
+            <a:schemeClr val="dk1"/>
           </a:effectRef>
           <a:fontRef idx="minor">
-            <a:schemeClr val="lt1"/>
+            <a:schemeClr val="dk1"/>
           </a:fontRef>
         </p:style>
         <p:txBody>
@@ -3621,809 +3528,411 @@
           <a:p>
             <a:pPr algn="ctr"/>
             <a:r>
-              <a:rPr lang="zh-CN" altLang="en-US" b="1" dirty="0">
-                <a:solidFill>
-                  <a:schemeClr val="tx1"/>
-                </a:solidFill>
-                <a:latin typeface="宋体" panose="02010600030101010101" pitchFamily="2" charset="-122"/>
-                <a:ea typeface="宋体" panose="02010600030101010101" pitchFamily="2" charset="-122"/>
-              </a:rPr>
-              <a:t>智能算法</a:t>
-            </a:r>
+              <a:rPr lang="zh-CN" altLang="en-US" dirty="0"/>
+              <a:t>第二章</a:t>
+            </a:r>
+            <a:endParaRPr lang="en-US" altLang="zh-CN" dirty="0"/>
+          </a:p>
+          <a:p>
+            <a:pPr algn="ctr"/>
+            <a:r>
+              <a:rPr lang="zh-CN" altLang="en-US" dirty="0"/>
+              <a:t>机械臂</a:t>
+            </a:r>
+            <a:endParaRPr lang="en-US" altLang="zh-CN" dirty="0"/>
+          </a:p>
+          <a:p>
+            <a:pPr algn="ctr"/>
+            <a:r>
+              <a:rPr lang="zh-CN" altLang="en-US" dirty="0"/>
+              <a:t>运动学分析</a:t>
+            </a:r>
+            <a:endParaRPr lang="en-US" altLang="zh-CN" dirty="0"/>
+          </a:p>
+        </p:txBody>
+      </p:sp>
+      <p:sp>
+        <p:nvSpPr>
+          <p:cNvPr id="7" name="矩形: 圆角 6">
+            <a:extLst>
+              <a:ext uri="{FF2B5EF4-FFF2-40B4-BE49-F238E27FC236}">
+                <a16:creationId xmlns:a16="http://schemas.microsoft.com/office/drawing/2014/main" id="{5CF4D6B6-7399-4192-A8C9-195FC071FC1E}"/>
+              </a:ext>
+            </a:extLst>
+          </p:cNvPr>
+          <p:cNvSpPr/>
+          <p:nvPr/>
+        </p:nvSpPr>
+        <p:spPr>
+          <a:xfrm>
+            <a:off x="5593237" y="2019506"/>
+            <a:ext cx="2212155" cy="1253217"/>
+          </a:xfrm>
+          <a:prstGeom prst="roundRect">
+            <a:avLst/>
+          </a:prstGeom>
+        </p:spPr>
+        <p:style>
+          <a:lnRef idx="2">
+            <a:schemeClr val="dk1"/>
+          </a:lnRef>
+          <a:fillRef idx="1">
+            <a:schemeClr val="lt1"/>
+          </a:fillRef>
+          <a:effectRef idx="0">
+            <a:schemeClr val="dk1"/>
+          </a:effectRef>
+          <a:fontRef idx="minor">
+            <a:schemeClr val="dk1"/>
+          </a:fontRef>
+        </p:style>
+        <p:txBody>
+          <a:bodyPr rtlCol="0" anchor="ctr"/>
+          <a:lstStyle/>
+          <a:p>
+            <a:pPr algn="ctr"/>
+            <a:r>
+              <a:rPr lang="zh-CN" altLang="en-US" dirty="0"/>
+              <a:t>第三章</a:t>
+            </a:r>
+            <a:endParaRPr lang="en-US" altLang="zh-CN" dirty="0"/>
+          </a:p>
+          <a:p>
+            <a:pPr algn="ctr"/>
+            <a:r>
+              <a:rPr lang="zh-CN" altLang="en-US" dirty="0"/>
+              <a:t>遥操作系统设计</a:t>
+            </a:r>
+            <a:endParaRPr lang="en-US" altLang="zh-CN" dirty="0"/>
+          </a:p>
+          <a:p>
+            <a:pPr algn="ctr"/>
+            <a:r>
+              <a:rPr lang="zh-CN" altLang="en-US" dirty="0"/>
+              <a:t>实现基础控制</a:t>
+            </a:r>
+            <a:endParaRPr lang="en-US" altLang="zh-CN" dirty="0"/>
+          </a:p>
+        </p:txBody>
+      </p:sp>
+      <p:sp>
+        <p:nvSpPr>
+          <p:cNvPr id="8" name="矩形: 圆角 7">
+            <a:extLst>
+              <a:ext uri="{FF2B5EF4-FFF2-40B4-BE49-F238E27FC236}">
+                <a16:creationId xmlns:a16="http://schemas.microsoft.com/office/drawing/2014/main" id="{4A986C7A-28EA-4080-B4EE-3727E67EF374}"/>
+              </a:ext>
+            </a:extLst>
+          </p:cNvPr>
+          <p:cNvSpPr/>
+          <p:nvPr/>
+        </p:nvSpPr>
+        <p:spPr>
+          <a:xfrm>
+            <a:off x="5819697" y="3714161"/>
+            <a:ext cx="1858149" cy="1366937"/>
+          </a:xfrm>
+          <a:prstGeom prst="roundRect">
+            <a:avLst/>
+          </a:prstGeom>
+        </p:spPr>
+        <p:style>
+          <a:lnRef idx="2">
+            <a:schemeClr val="dk1"/>
+          </a:lnRef>
+          <a:fillRef idx="1">
+            <a:schemeClr val="lt1"/>
+          </a:fillRef>
+          <a:effectRef idx="0">
+            <a:schemeClr val="dk1"/>
+          </a:effectRef>
+          <a:fontRef idx="minor">
+            <a:schemeClr val="dk1"/>
+          </a:fontRef>
+        </p:style>
+        <p:txBody>
+          <a:bodyPr rtlCol="0" anchor="ctr"/>
+          <a:lstStyle/>
+          <a:p>
+            <a:pPr algn="ctr"/>
+            <a:r>
+              <a:rPr lang="zh-CN" altLang="en-US" dirty="0"/>
+              <a:t>第四章</a:t>
+            </a:r>
+            <a:endParaRPr lang="en-US" altLang="zh-CN" dirty="0"/>
+          </a:p>
+          <a:p>
+            <a:pPr algn="ctr"/>
+            <a:r>
+              <a:rPr lang="zh-CN" altLang="en-US" dirty="0"/>
+              <a:t>在线辅助功能开发，操作更加智能</a:t>
+            </a:r>
+            <a:endParaRPr lang="en-US" altLang="zh-CN" dirty="0"/>
+          </a:p>
+        </p:txBody>
+      </p:sp>
+      <p:sp>
+        <p:nvSpPr>
+          <p:cNvPr id="9" name="矩形: 圆角 8">
+            <a:extLst>
+              <a:ext uri="{FF2B5EF4-FFF2-40B4-BE49-F238E27FC236}">
+                <a16:creationId xmlns:a16="http://schemas.microsoft.com/office/drawing/2014/main" id="{8895D5C4-95B2-4972-B39F-B5DB52E115FC}"/>
+              </a:ext>
+            </a:extLst>
+          </p:cNvPr>
+          <p:cNvSpPr/>
+          <p:nvPr/>
+        </p:nvSpPr>
+        <p:spPr>
+          <a:xfrm>
+            <a:off x="8727918" y="2955351"/>
+            <a:ext cx="1951348" cy="1036949"/>
+          </a:xfrm>
+          <a:prstGeom prst="roundRect">
+            <a:avLst/>
+          </a:prstGeom>
+        </p:spPr>
+        <p:style>
+          <a:lnRef idx="2">
+            <a:schemeClr val="dk1"/>
+          </a:lnRef>
+          <a:fillRef idx="1">
+            <a:schemeClr val="lt1"/>
+          </a:fillRef>
+          <a:effectRef idx="0">
+            <a:schemeClr val="dk1"/>
+          </a:effectRef>
+          <a:fontRef idx="minor">
+            <a:schemeClr val="dk1"/>
+          </a:fontRef>
+        </p:style>
+        <p:txBody>
+          <a:bodyPr rtlCol="0" anchor="ctr"/>
+          <a:lstStyle/>
+          <a:p>
+            <a:pPr algn="ctr"/>
+            <a:r>
+              <a:rPr lang="zh-CN" altLang="en-US" dirty="0"/>
+              <a:t>第五章</a:t>
+            </a:r>
+            <a:endParaRPr lang="en-US" altLang="zh-CN" dirty="0"/>
+          </a:p>
+          <a:p>
+            <a:pPr algn="ctr"/>
+            <a:r>
+              <a:rPr lang="zh-CN" altLang="en-US" dirty="0"/>
+              <a:t>实验与验证</a:t>
+            </a:r>
+            <a:endParaRPr lang="en-US" altLang="zh-CN" dirty="0"/>
+          </a:p>
+        </p:txBody>
+      </p:sp>
+      <p:sp>
+        <p:nvSpPr>
+          <p:cNvPr id="11" name="左大括号 10">
+            <a:extLst>
+              <a:ext uri="{FF2B5EF4-FFF2-40B4-BE49-F238E27FC236}">
+                <a16:creationId xmlns:a16="http://schemas.microsoft.com/office/drawing/2014/main" id="{D681ABAA-DE92-428F-B525-4B361C25F76A}"/>
+              </a:ext>
+            </a:extLst>
+          </p:cNvPr>
+          <p:cNvSpPr/>
+          <p:nvPr/>
+        </p:nvSpPr>
+        <p:spPr>
+          <a:xfrm>
+            <a:off x="2396371" y="2584516"/>
+            <a:ext cx="582284" cy="1685928"/>
+          </a:xfrm>
+          <a:prstGeom prst="leftBrace">
+            <a:avLst/>
+          </a:prstGeom>
+          <a:ln w="25400" cap="flat" cmpd="sng" algn="ctr">
+            <a:solidFill>
+              <a:schemeClr val="dk1"/>
+            </a:solidFill>
+            <a:prstDash val="solid"/>
+            <a:round/>
+            <a:headEnd type="arrow" w="med" len="med"/>
+            <a:tailEnd type="arrow" w="med" len="med"/>
+          </a:ln>
+        </p:spPr>
+        <p:style>
+          <a:lnRef idx="0">
+            <a:scrgbClr r="0" g="0" b="0"/>
+          </a:lnRef>
+          <a:fillRef idx="0">
+            <a:scrgbClr r="0" g="0" b="0"/>
+          </a:fillRef>
+          <a:effectRef idx="0">
+            <a:scrgbClr r="0" g="0" b="0"/>
+          </a:effectRef>
+          <a:fontRef idx="minor">
+            <a:schemeClr val="tx1"/>
+          </a:fontRef>
+        </p:style>
+        <p:txBody>
+          <a:bodyPr rtlCol="0" anchor="ctr"/>
+          <a:lstStyle/>
+          <a:p>
+            <a:pPr algn="ctr"/>
+            <a:endParaRPr lang="zh-CN" altLang="en-US" dirty="0"/>
+          </a:p>
+        </p:txBody>
+      </p:sp>
+      <p:sp>
+        <p:nvSpPr>
+          <p:cNvPr id="12" name="矩形: 圆角 11">
+            <a:extLst>
+              <a:ext uri="{FF2B5EF4-FFF2-40B4-BE49-F238E27FC236}">
+                <a16:creationId xmlns:a16="http://schemas.microsoft.com/office/drawing/2014/main" id="{E03368B4-007D-4779-B90A-236467036D45}"/>
+              </a:ext>
+            </a:extLst>
+          </p:cNvPr>
+          <p:cNvSpPr/>
+          <p:nvPr/>
+        </p:nvSpPr>
+        <p:spPr>
+          <a:xfrm>
+            <a:off x="5374850" y="1050587"/>
+            <a:ext cx="2648932" cy="535474"/>
+          </a:xfrm>
+          <a:prstGeom prst="roundRect">
+            <a:avLst/>
+          </a:prstGeom>
+        </p:spPr>
+        <p:style>
+          <a:lnRef idx="2">
+            <a:schemeClr val="dk1"/>
+          </a:lnRef>
+          <a:fillRef idx="1">
+            <a:schemeClr val="lt1"/>
+          </a:fillRef>
+          <a:effectRef idx="0">
+            <a:schemeClr val="dk1"/>
+          </a:effectRef>
+          <a:fontRef idx="minor">
+            <a:schemeClr val="dk1"/>
+          </a:fontRef>
+        </p:style>
+        <p:txBody>
+          <a:bodyPr rtlCol="0" anchor="ctr"/>
+          <a:lstStyle/>
+          <a:p>
+            <a:pPr algn="ctr"/>
+            <a:r>
+              <a:rPr lang="zh-CN" altLang="en-US" dirty="0"/>
+              <a:t>高压带电机器人</a:t>
+            </a:r>
+            <a:endParaRPr lang="en-US" altLang="zh-CN" dirty="0"/>
+          </a:p>
+          <a:p>
+            <a:pPr algn="ctr"/>
+            <a:r>
+              <a:rPr lang="zh-CN" altLang="en-US" dirty="0"/>
+              <a:t>在线辅助遥操作系统</a:t>
+            </a:r>
+          </a:p>
+        </p:txBody>
+      </p:sp>
+      <p:sp>
+        <p:nvSpPr>
+          <p:cNvPr id="13" name="右大括号 12">
+            <a:extLst>
+              <a:ext uri="{FF2B5EF4-FFF2-40B4-BE49-F238E27FC236}">
+                <a16:creationId xmlns:a16="http://schemas.microsoft.com/office/drawing/2014/main" id="{CEE44912-497E-44D9-B947-7A38701F0EF2}"/>
+              </a:ext>
+            </a:extLst>
+          </p:cNvPr>
+          <p:cNvSpPr/>
+          <p:nvPr/>
+        </p:nvSpPr>
+        <p:spPr>
+          <a:xfrm>
+            <a:off x="4930003" y="2677211"/>
+            <a:ext cx="444847" cy="1593231"/>
+          </a:xfrm>
+          <a:prstGeom prst="rightBrace">
+            <a:avLst/>
+          </a:prstGeom>
+          <a:ln w="25400" cap="flat" cmpd="sng" algn="ctr">
+            <a:solidFill>
+              <a:schemeClr val="dk1"/>
+            </a:solidFill>
+            <a:prstDash val="solid"/>
+            <a:round/>
+            <a:headEnd type="arrow" w="med" len="med"/>
+            <a:tailEnd type="arrow" w="med" len="med"/>
+          </a:ln>
+        </p:spPr>
+        <p:style>
+          <a:lnRef idx="0">
+            <a:scrgbClr r="0" g="0" b="0"/>
+          </a:lnRef>
+          <a:fillRef idx="0">
+            <a:scrgbClr r="0" g="0" b="0"/>
+          </a:fillRef>
+          <a:effectRef idx="0">
+            <a:scrgbClr r="0" g="0" b="0"/>
+          </a:effectRef>
+          <a:fontRef idx="minor">
+            <a:schemeClr val="tx1"/>
+          </a:fontRef>
+        </p:style>
+        <p:txBody>
+          <a:bodyPr rtlCol="0" anchor="ctr"/>
+          <a:lstStyle/>
+          <a:p>
+            <a:pPr algn="ctr"/>
+            <a:endParaRPr lang="zh-CN" altLang="en-US"/>
           </a:p>
         </p:txBody>
       </p:sp>
       <p:cxnSp>
         <p:nvCxnSpPr>
-          <p:cNvPr id="21" name="直接连接符 20">
-            <a:extLst>
-              <a:ext uri="{FF2B5EF4-FFF2-40B4-BE49-F238E27FC236}">
-                <a16:creationId xmlns:a16="http://schemas.microsoft.com/office/drawing/2014/main" id="{43B988B6-E61A-4542-A822-C7F71A7A97EF}"/>
-              </a:ext>
-            </a:extLst>
-          </p:cNvPr>
-          <p:cNvCxnSpPr/>
+          <p:cNvPr id="17" name="直接箭头连接符 16">
+            <a:extLst>
+              <a:ext uri="{FF2B5EF4-FFF2-40B4-BE49-F238E27FC236}">
+                <a16:creationId xmlns:a16="http://schemas.microsoft.com/office/drawing/2014/main" id="{2E52C0EF-19D5-4969-A67F-0EB7F690F22E}"/>
+              </a:ext>
+            </a:extLst>
+          </p:cNvPr>
+          <p:cNvCxnSpPr>
+            <a:endCxn id="9" idx="1"/>
+          </p:cNvCxnSpPr>
           <p:nvPr/>
         </p:nvCxnSpPr>
         <p:spPr>
           <a:xfrm>
-            <a:off x="7558545" y="3789000"/>
-            <a:ext cx="0" cy="1800000"/>
-          </a:xfrm>
-          <a:prstGeom prst="line">
+            <a:off x="8023782" y="3473826"/>
+            <a:ext cx="704136" cy="0"/>
+          </a:xfrm>
+          <a:prstGeom prst="straightConnector1">
             <a:avLst/>
           </a:prstGeom>
           <a:ln w="25400">
-            <a:solidFill>
-              <a:srgbClr val="FFFF00"/>
-            </a:solidFill>
+            <a:tailEnd type="triangle"/>
           </a:ln>
         </p:spPr>
         <p:style>
           <a:lnRef idx="1">
-            <a:schemeClr val="accent1"/>
+            <a:schemeClr val="dk1"/>
           </a:lnRef>
           <a:fillRef idx="0">
-            <a:schemeClr val="accent1"/>
+            <a:schemeClr val="dk1"/>
           </a:fillRef>
           <a:effectRef idx="0">
-            <a:schemeClr val="accent1"/>
+            <a:schemeClr val="dk1"/>
           </a:effectRef>
           <a:fontRef idx="minor">
             <a:schemeClr val="tx1"/>
           </a:fontRef>
         </p:style>
       </p:cxnSp>
-      <p:cxnSp>
-        <p:nvCxnSpPr>
-          <p:cNvPr id="27" name="直接箭头连接符 26">
-            <a:extLst>
-              <a:ext uri="{FF2B5EF4-FFF2-40B4-BE49-F238E27FC236}">
-                <a16:creationId xmlns:a16="http://schemas.microsoft.com/office/drawing/2014/main" id="{09DECA65-8C14-44B8-AE13-04D72119C847}"/>
-              </a:ext>
-            </a:extLst>
-          </p:cNvPr>
-          <p:cNvCxnSpPr>
-            <a:endCxn id="7" idx="1"/>
-          </p:cNvCxnSpPr>
-          <p:nvPr/>
-        </p:nvCxnSpPr>
-        <p:spPr>
-          <a:xfrm>
-            <a:off x="7558545" y="3789000"/>
-            <a:ext cx="677025" cy="0"/>
-          </a:xfrm>
-          <a:prstGeom prst="straightConnector1">
-            <a:avLst/>
-          </a:prstGeom>
-          <a:ln w="25400">
-            <a:solidFill>
-              <a:srgbClr val="FFFF00"/>
-            </a:solidFill>
-            <a:tailEnd type="triangle"/>
-          </a:ln>
-        </p:spPr>
-        <p:style>
-          <a:lnRef idx="1">
-            <a:schemeClr val="accent1"/>
-          </a:lnRef>
-          <a:fillRef idx="0">
-            <a:schemeClr val="accent1"/>
-          </a:fillRef>
-          <a:effectRef idx="0">
-            <a:schemeClr val="accent1"/>
-          </a:effectRef>
-          <a:fontRef idx="minor">
-            <a:schemeClr val="tx1"/>
-          </a:fontRef>
-        </p:style>
-      </p:cxnSp>
-      <p:cxnSp>
-        <p:nvCxnSpPr>
-          <p:cNvPr id="29" name="直接箭头连接符 28">
-            <a:extLst>
-              <a:ext uri="{FF2B5EF4-FFF2-40B4-BE49-F238E27FC236}">
-                <a16:creationId xmlns:a16="http://schemas.microsoft.com/office/drawing/2014/main" id="{26E15F55-C9A6-4ECA-9C80-F49D82FCEBB1}"/>
-              </a:ext>
-            </a:extLst>
-          </p:cNvPr>
-          <p:cNvCxnSpPr>
-            <a:endCxn id="6" idx="1"/>
-          </p:cNvCxnSpPr>
-          <p:nvPr/>
-        </p:nvCxnSpPr>
-        <p:spPr>
-          <a:xfrm>
-            <a:off x="7558545" y="5589000"/>
-            <a:ext cx="677025" cy="0"/>
-          </a:xfrm>
-          <a:prstGeom prst="straightConnector1">
-            <a:avLst/>
-          </a:prstGeom>
-          <a:ln w="25400">
-            <a:solidFill>
-              <a:srgbClr val="FFFF00"/>
-            </a:solidFill>
-            <a:tailEnd type="triangle"/>
-          </a:ln>
-        </p:spPr>
-        <p:style>
-          <a:lnRef idx="1">
-            <a:schemeClr val="accent1"/>
-          </a:lnRef>
-          <a:fillRef idx="0">
-            <a:schemeClr val="accent1"/>
-          </a:fillRef>
-          <a:effectRef idx="0">
-            <a:schemeClr val="accent1"/>
-          </a:effectRef>
-          <a:fontRef idx="minor">
-            <a:schemeClr val="tx1"/>
-          </a:fontRef>
-        </p:style>
-      </p:cxnSp>
-      <p:cxnSp>
-        <p:nvCxnSpPr>
-          <p:cNvPr id="43" name="直接连接符 42">
-            <a:extLst>
-              <a:ext uri="{FF2B5EF4-FFF2-40B4-BE49-F238E27FC236}">
-                <a16:creationId xmlns:a16="http://schemas.microsoft.com/office/drawing/2014/main" id="{820ABF98-1E22-4FB8-A179-F51744F8BC25}"/>
-              </a:ext>
-            </a:extLst>
-          </p:cNvPr>
-          <p:cNvCxnSpPr/>
-          <p:nvPr/>
-        </p:nvCxnSpPr>
-        <p:spPr>
-          <a:xfrm flipH="1">
-            <a:off x="5253089" y="4689000"/>
-            <a:ext cx="2305456" cy="0"/>
-          </a:xfrm>
-          <a:prstGeom prst="line">
-            <a:avLst/>
-          </a:prstGeom>
-          <a:ln w="25400">
-            <a:solidFill>
-              <a:srgbClr val="FFFF00"/>
-            </a:solidFill>
-          </a:ln>
-        </p:spPr>
-        <p:style>
-          <a:lnRef idx="1">
-            <a:schemeClr val="accent1"/>
-          </a:lnRef>
-          <a:fillRef idx="0">
-            <a:schemeClr val="accent1"/>
-          </a:fillRef>
-          <a:effectRef idx="0">
-            <a:schemeClr val="accent1"/>
-          </a:effectRef>
-          <a:fontRef idx="minor">
-            <a:schemeClr val="tx1"/>
-          </a:fontRef>
-        </p:style>
-      </p:cxnSp>
-      <p:cxnSp>
-        <p:nvCxnSpPr>
-          <p:cNvPr id="50" name="直接连接符 49">
-            <a:extLst>
-              <a:ext uri="{FF2B5EF4-FFF2-40B4-BE49-F238E27FC236}">
-                <a16:creationId xmlns:a16="http://schemas.microsoft.com/office/drawing/2014/main" id="{7DFD378A-4FED-42D6-98AF-CEDA7CD0A2C4}"/>
-              </a:ext>
-            </a:extLst>
-          </p:cNvPr>
-          <p:cNvCxnSpPr>
-            <a:cxnSpLocks/>
-            <a:stCxn id="7" idx="0"/>
-          </p:cNvCxnSpPr>
-          <p:nvPr/>
-        </p:nvCxnSpPr>
-        <p:spPr>
-          <a:xfrm flipV="1">
-            <a:off x="8955570" y="2251647"/>
-            <a:ext cx="0" cy="817353"/>
-          </a:xfrm>
-          <a:prstGeom prst="line">
-            <a:avLst/>
-          </a:prstGeom>
-          <a:ln w="25400">
-            <a:solidFill>
-              <a:schemeClr val="accent6"/>
-            </a:solidFill>
-          </a:ln>
-        </p:spPr>
-        <p:style>
-          <a:lnRef idx="1">
-            <a:schemeClr val="accent1"/>
-          </a:lnRef>
-          <a:fillRef idx="0">
-            <a:schemeClr val="accent1"/>
-          </a:fillRef>
-          <a:effectRef idx="0">
-            <a:schemeClr val="accent1"/>
-          </a:effectRef>
-          <a:fontRef idx="minor">
-            <a:schemeClr val="tx1"/>
-          </a:fontRef>
-        </p:style>
-      </p:cxnSp>
-      <p:cxnSp>
-        <p:nvCxnSpPr>
-          <p:cNvPr id="53" name="直接箭头连接符 52">
-            <a:extLst>
-              <a:ext uri="{FF2B5EF4-FFF2-40B4-BE49-F238E27FC236}">
-                <a16:creationId xmlns:a16="http://schemas.microsoft.com/office/drawing/2014/main" id="{9A3EE801-521E-4648-9FD1-DC3DCFCBA372}"/>
-              </a:ext>
-            </a:extLst>
-          </p:cNvPr>
-          <p:cNvCxnSpPr>
-            <a:cxnSpLocks/>
-          </p:cNvCxnSpPr>
-          <p:nvPr/>
-        </p:nvCxnSpPr>
-        <p:spPr>
-          <a:xfrm flipH="1">
-            <a:off x="7371763" y="2251647"/>
-            <a:ext cx="1583807" cy="0"/>
-          </a:xfrm>
-          <a:prstGeom prst="straightConnector1">
-            <a:avLst/>
-          </a:prstGeom>
-          <a:ln w="25400">
-            <a:solidFill>
-              <a:schemeClr val="accent6"/>
-            </a:solidFill>
-            <a:tailEnd type="triangle"/>
-          </a:ln>
-        </p:spPr>
-        <p:style>
-          <a:lnRef idx="1">
-            <a:schemeClr val="accent1"/>
-          </a:lnRef>
-          <a:fillRef idx="0">
-            <a:schemeClr val="accent1"/>
-          </a:fillRef>
-          <a:effectRef idx="0">
-            <a:schemeClr val="accent1"/>
-          </a:effectRef>
-          <a:fontRef idx="minor">
-            <a:schemeClr val="tx1"/>
-          </a:fontRef>
-        </p:style>
-      </p:cxnSp>
-      <p:cxnSp>
-        <p:nvCxnSpPr>
-          <p:cNvPr id="54" name="直接连接符 53">
-            <a:extLst>
-              <a:ext uri="{FF2B5EF4-FFF2-40B4-BE49-F238E27FC236}">
-                <a16:creationId xmlns:a16="http://schemas.microsoft.com/office/drawing/2014/main" id="{76BFDEBD-E084-49DC-B1B5-1C63298FD903}"/>
-              </a:ext>
-            </a:extLst>
-          </p:cNvPr>
-          <p:cNvCxnSpPr>
-            <a:cxnSpLocks/>
-          </p:cNvCxnSpPr>
-          <p:nvPr/>
-        </p:nvCxnSpPr>
-        <p:spPr>
-          <a:xfrm>
-            <a:off x="4895121" y="3707859"/>
-            <a:ext cx="367696" cy="0"/>
-          </a:xfrm>
-          <a:prstGeom prst="line">
-            <a:avLst/>
-          </a:prstGeom>
-          <a:ln w="25400">
-            <a:solidFill>
-              <a:srgbClr val="FFFF00"/>
-            </a:solidFill>
-          </a:ln>
-        </p:spPr>
-        <p:style>
-          <a:lnRef idx="1">
-            <a:schemeClr val="accent1"/>
-          </a:lnRef>
-          <a:fillRef idx="0">
-            <a:schemeClr val="accent1"/>
-          </a:fillRef>
-          <a:effectRef idx="0">
-            <a:schemeClr val="accent1"/>
-          </a:effectRef>
-          <a:fontRef idx="minor">
-            <a:schemeClr val="tx1"/>
-          </a:fontRef>
-        </p:style>
-      </p:cxnSp>
-      <p:cxnSp>
-        <p:nvCxnSpPr>
-          <p:cNvPr id="56" name="直接连接符 55">
-            <a:extLst>
-              <a:ext uri="{FF2B5EF4-FFF2-40B4-BE49-F238E27FC236}">
-                <a16:creationId xmlns:a16="http://schemas.microsoft.com/office/drawing/2014/main" id="{D2EA32F4-1B95-49E4-9F96-7981CFA1A280}"/>
-              </a:ext>
-            </a:extLst>
-          </p:cNvPr>
-          <p:cNvCxnSpPr/>
-          <p:nvPr/>
-        </p:nvCxnSpPr>
-        <p:spPr>
-          <a:xfrm>
-            <a:off x="5262817" y="3707859"/>
-            <a:ext cx="0" cy="981141"/>
-          </a:xfrm>
-          <a:prstGeom prst="line">
-            <a:avLst/>
-          </a:prstGeom>
-          <a:ln w="25400">
-            <a:solidFill>
-              <a:srgbClr val="FFFF00"/>
-            </a:solidFill>
-          </a:ln>
-        </p:spPr>
-        <p:style>
-          <a:lnRef idx="1">
-            <a:schemeClr val="accent1"/>
-          </a:lnRef>
-          <a:fillRef idx="0">
-            <a:schemeClr val="accent1"/>
-          </a:fillRef>
-          <a:effectRef idx="0">
-            <a:schemeClr val="accent1"/>
-          </a:effectRef>
-          <a:fontRef idx="minor">
-            <a:schemeClr val="tx1"/>
-          </a:fontRef>
-        </p:style>
-      </p:cxnSp>
-      <p:cxnSp>
-        <p:nvCxnSpPr>
-          <p:cNvPr id="58" name="直接连接符 57">
-            <a:extLst>
-              <a:ext uri="{FF2B5EF4-FFF2-40B4-BE49-F238E27FC236}">
-                <a16:creationId xmlns:a16="http://schemas.microsoft.com/office/drawing/2014/main" id="{ADE5376F-BA86-4AB9-8BED-1DF0693BEA63}"/>
-              </a:ext>
-            </a:extLst>
-          </p:cNvPr>
-          <p:cNvCxnSpPr>
-            <a:cxnSpLocks/>
-            <a:stCxn id="5" idx="1"/>
-          </p:cNvCxnSpPr>
-          <p:nvPr/>
-        </p:nvCxnSpPr>
-        <p:spPr>
-          <a:xfrm flipH="1">
-            <a:off x="5253089" y="1989000"/>
-            <a:ext cx="678674" cy="0"/>
-          </a:xfrm>
-          <a:prstGeom prst="line">
-            <a:avLst/>
-          </a:prstGeom>
-          <a:ln w="25400">
-            <a:solidFill>
-              <a:srgbClr val="FF0000"/>
-            </a:solidFill>
-          </a:ln>
-        </p:spPr>
-        <p:style>
-          <a:lnRef idx="1">
-            <a:schemeClr val="accent1"/>
-          </a:lnRef>
-          <a:fillRef idx="0">
-            <a:schemeClr val="accent1"/>
-          </a:fillRef>
-          <a:effectRef idx="0">
-            <a:schemeClr val="accent1"/>
-          </a:effectRef>
-          <a:fontRef idx="minor">
-            <a:schemeClr val="tx1"/>
-          </a:fontRef>
-        </p:style>
-      </p:cxnSp>
-      <p:cxnSp>
-        <p:nvCxnSpPr>
-          <p:cNvPr id="60" name="直接连接符 59">
-            <a:extLst>
-              <a:ext uri="{FF2B5EF4-FFF2-40B4-BE49-F238E27FC236}">
-                <a16:creationId xmlns:a16="http://schemas.microsoft.com/office/drawing/2014/main" id="{17564541-58C9-47DD-90AF-2563C01EB9B4}"/>
-              </a:ext>
-            </a:extLst>
-          </p:cNvPr>
-          <p:cNvCxnSpPr/>
-          <p:nvPr/>
-        </p:nvCxnSpPr>
-        <p:spPr>
-          <a:xfrm flipV="1">
-            <a:off x="5253089" y="1989000"/>
-            <a:ext cx="0" cy="1148170"/>
-          </a:xfrm>
-          <a:prstGeom prst="line">
-            <a:avLst/>
-          </a:prstGeom>
-          <a:ln w="25400">
-            <a:solidFill>
-              <a:srgbClr val="FF0000"/>
-            </a:solidFill>
-          </a:ln>
-        </p:spPr>
-        <p:style>
-          <a:lnRef idx="1">
-            <a:schemeClr val="accent1"/>
-          </a:lnRef>
-          <a:fillRef idx="0">
-            <a:schemeClr val="accent1"/>
-          </a:fillRef>
-          <a:effectRef idx="0">
-            <a:schemeClr val="accent1"/>
-          </a:effectRef>
-          <a:fontRef idx="minor">
-            <a:schemeClr val="tx1"/>
-          </a:fontRef>
-        </p:style>
-      </p:cxnSp>
-      <p:cxnSp>
-        <p:nvCxnSpPr>
-          <p:cNvPr id="63" name="直接箭头连接符 62">
-            <a:extLst>
-              <a:ext uri="{FF2B5EF4-FFF2-40B4-BE49-F238E27FC236}">
-                <a16:creationId xmlns:a16="http://schemas.microsoft.com/office/drawing/2014/main" id="{CC1FA9A9-ECB0-41FB-9401-15691F725BDA}"/>
-              </a:ext>
-            </a:extLst>
-          </p:cNvPr>
-          <p:cNvCxnSpPr/>
-          <p:nvPr/>
-        </p:nvCxnSpPr>
-        <p:spPr>
-          <a:xfrm flipH="1">
-            <a:off x="4895121" y="3137170"/>
-            <a:ext cx="357968" cy="0"/>
-          </a:xfrm>
-          <a:prstGeom prst="straightConnector1">
-            <a:avLst/>
-          </a:prstGeom>
-          <a:ln w="25400">
-            <a:solidFill>
-              <a:srgbClr val="FF0000"/>
-            </a:solidFill>
-            <a:tailEnd type="triangle"/>
-          </a:ln>
-        </p:spPr>
-        <p:style>
-          <a:lnRef idx="1">
-            <a:schemeClr val="accent1"/>
-          </a:lnRef>
-          <a:fillRef idx="0">
-            <a:schemeClr val="accent1"/>
-          </a:fillRef>
-          <a:effectRef idx="0">
-            <a:schemeClr val="accent1"/>
-          </a:effectRef>
-          <a:fontRef idx="minor">
-            <a:schemeClr val="tx1"/>
-          </a:fontRef>
-        </p:style>
-      </p:cxnSp>
-      <p:sp>
-        <p:nvSpPr>
-          <p:cNvPr id="64" name="椭圆 63">
-            <a:extLst>
-              <a:ext uri="{FF2B5EF4-FFF2-40B4-BE49-F238E27FC236}">
-                <a16:creationId xmlns:a16="http://schemas.microsoft.com/office/drawing/2014/main" id="{C5D16B81-0033-4A7A-A62A-B0B1377125FA}"/>
-              </a:ext>
-            </a:extLst>
-          </p:cNvPr>
-          <p:cNvSpPr/>
-          <p:nvPr/>
-        </p:nvSpPr>
-        <p:spPr>
-          <a:xfrm>
-            <a:off x="235784" y="2709000"/>
-            <a:ext cx="1440000" cy="1440000"/>
-          </a:xfrm>
-          <a:prstGeom prst="ellipse">
-            <a:avLst/>
-          </a:prstGeom>
-          <a:solidFill>
-            <a:schemeClr val="bg1"/>
-          </a:solidFill>
-          <a:ln w="25400">
-            <a:solidFill>
-              <a:schemeClr val="tx1"/>
-            </a:solidFill>
-          </a:ln>
-        </p:spPr>
-        <p:style>
-          <a:lnRef idx="2">
-            <a:schemeClr val="accent1">
-              <a:shade val="50000"/>
-            </a:schemeClr>
-          </a:lnRef>
-          <a:fillRef idx="1">
-            <a:schemeClr val="accent1"/>
-          </a:fillRef>
-          <a:effectRef idx="0">
-            <a:schemeClr val="accent1"/>
-          </a:effectRef>
-          <a:fontRef idx="minor">
-            <a:schemeClr val="lt1"/>
-          </a:fontRef>
-        </p:style>
-        <p:txBody>
-          <a:bodyPr tIns="360000" rtlCol="0" anchor="ctr"/>
-          <a:lstStyle/>
-          <a:p>
-            <a:pPr algn="ctr"/>
-            <a:r>
-              <a:rPr lang="zh-CN" altLang="en-US" b="1" dirty="0">
-                <a:solidFill>
-                  <a:schemeClr val="tx1"/>
-                </a:solidFill>
-                <a:latin typeface="宋体" panose="02010600030101010101" pitchFamily="2" charset="-122"/>
-                <a:ea typeface="宋体" panose="02010600030101010101" pitchFamily="2" charset="-122"/>
-              </a:rPr>
-              <a:t>带电</a:t>
-            </a:r>
-            <a:endParaRPr lang="en-US" altLang="zh-CN" b="1" dirty="0">
-              <a:solidFill>
-                <a:schemeClr val="tx1"/>
-              </a:solidFill>
-              <a:latin typeface="宋体" panose="02010600030101010101" pitchFamily="2" charset="-122"/>
-              <a:ea typeface="宋体" panose="02010600030101010101" pitchFamily="2" charset="-122"/>
-            </a:endParaRPr>
-          </a:p>
-          <a:p>
-            <a:pPr algn="ctr"/>
-            <a:r>
-              <a:rPr lang="zh-CN" altLang="en-US" b="1" dirty="0">
-                <a:solidFill>
-                  <a:schemeClr val="tx1"/>
-                </a:solidFill>
-                <a:latin typeface="宋体" panose="02010600030101010101" pitchFamily="2" charset="-122"/>
-                <a:ea typeface="宋体" panose="02010600030101010101" pitchFamily="2" charset="-122"/>
-              </a:rPr>
-              <a:t>作业</a:t>
-            </a:r>
-            <a:endParaRPr lang="en-US" altLang="zh-CN" b="1" dirty="0">
-              <a:solidFill>
-                <a:schemeClr val="tx1"/>
-              </a:solidFill>
-              <a:latin typeface="宋体" panose="02010600030101010101" pitchFamily="2" charset="-122"/>
-              <a:ea typeface="宋体" panose="02010600030101010101" pitchFamily="2" charset="-122"/>
-            </a:endParaRPr>
-          </a:p>
-          <a:p>
-            <a:pPr algn="ctr"/>
-            <a:r>
-              <a:rPr lang="zh-CN" altLang="en-US" b="1" dirty="0">
-                <a:solidFill>
-                  <a:schemeClr val="tx1"/>
-                </a:solidFill>
-                <a:latin typeface="宋体" panose="02010600030101010101" pitchFamily="2" charset="-122"/>
-                <a:ea typeface="宋体" panose="02010600030101010101" pitchFamily="2" charset="-122"/>
-              </a:rPr>
-              <a:t>平台</a:t>
-            </a:r>
-          </a:p>
-          <a:p>
-            <a:pPr algn="ctr"/>
-            <a:endParaRPr lang="zh-CN" altLang="en-US" dirty="0"/>
-          </a:p>
-        </p:txBody>
-      </p:sp>
-      <p:sp>
-        <p:nvSpPr>
-          <p:cNvPr id="66" name="箭头: 左右 65">
-            <a:extLst>
-              <a:ext uri="{FF2B5EF4-FFF2-40B4-BE49-F238E27FC236}">
-                <a16:creationId xmlns:a16="http://schemas.microsoft.com/office/drawing/2014/main" id="{37CE4B8A-0D68-4B64-8231-D233D5765208}"/>
-              </a:ext>
-            </a:extLst>
-          </p:cNvPr>
-          <p:cNvSpPr/>
-          <p:nvPr/>
-        </p:nvSpPr>
-        <p:spPr>
-          <a:xfrm>
-            <a:off x="1675783" y="3232015"/>
-            <a:ext cx="1779338" cy="393970"/>
-          </a:xfrm>
-          <a:prstGeom prst="leftRightArrow">
-            <a:avLst/>
-          </a:prstGeom>
-        </p:spPr>
-        <p:style>
-          <a:lnRef idx="2">
-            <a:schemeClr val="accent1">
-              <a:shade val="50000"/>
-            </a:schemeClr>
-          </a:lnRef>
-          <a:fillRef idx="1">
-            <a:schemeClr val="accent1"/>
-          </a:fillRef>
-          <a:effectRef idx="0">
-            <a:schemeClr val="accent1"/>
-          </a:effectRef>
-          <a:fontRef idx="minor">
-            <a:schemeClr val="lt1"/>
-          </a:fontRef>
-        </p:style>
-        <p:txBody>
-          <a:bodyPr rtlCol="0" anchor="ctr"/>
-          <a:lstStyle/>
-          <a:p>
-            <a:pPr algn="ctr"/>
-            <a:endParaRPr lang="zh-CN" altLang="en-US"/>
-          </a:p>
-        </p:txBody>
-      </p:sp>
-      <p:cxnSp>
-        <p:nvCxnSpPr>
-          <p:cNvPr id="71" name="直接连接符 70">
-            <a:extLst>
-              <a:ext uri="{FF2B5EF4-FFF2-40B4-BE49-F238E27FC236}">
-                <a16:creationId xmlns:a16="http://schemas.microsoft.com/office/drawing/2014/main" id="{6FA2DB2D-7A71-4906-898D-831495570224}"/>
-              </a:ext>
-            </a:extLst>
-          </p:cNvPr>
-          <p:cNvCxnSpPr/>
-          <p:nvPr/>
-        </p:nvCxnSpPr>
-        <p:spPr>
-          <a:xfrm flipV="1">
-            <a:off x="10155677" y="1741251"/>
-            <a:ext cx="0" cy="3847749"/>
-          </a:xfrm>
-          <a:prstGeom prst="line">
-            <a:avLst/>
-          </a:prstGeom>
-          <a:ln w="25400">
-            <a:solidFill>
-              <a:schemeClr val="accent6"/>
-            </a:solidFill>
-          </a:ln>
-        </p:spPr>
-        <p:style>
-          <a:lnRef idx="1">
-            <a:schemeClr val="accent1"/>
-          </a:lnRef>
-          <a:fillRef idx="0">
-            <a:schemeClr val="accent1"/>
-          </a:fillRef>
-          <a:effectRef idx="0">
-            <a:schemeClr val="accent1"/>
-          </a:effectRef>
-          <a:fontRef idx="minor">
-            <a:schemeClr val="tx1"/>
-          </a:fontRef>
-        </p:style>
-      </p:cxnSp>
-      <p:cxnSp>
-        <p:nvCxnSpPr>
-          <p:cNvPr id="74" name="直接箭头连接符 73">
-            <a:extLst>
-              <a:ext uri="{FF2B5EF4-FFF2-40B4-BE49-F238E27FC236}">
-                <a16:creationId xmlns:a16="http://schemas.microsoft.com/office/drawing/2014/main" id="{8284DDC0-9A19-47CD-A05E-695D560C9E70}"/>
-              </a:ext>
-            </a:extLst>
-          </p:cNvPr>
-          <p:cNvCxnSpPr/>
-          <p:nvPr/>
-        </p:nvCxnSpPr>
-        <p:spPr>
-          <a:xfrm flipH="1">
-            <a:off x="7371763" y="1741251"/>
-            <a:ext cx="2783914" cy="0"/>
-          </a:xfrm>
-          <a:prstGeom prst="straightConnector1">
-            <a:avLst/>
-          </a:prstGeom>
-          <a:ln w="25400">
-            <a:solidFill>
-              <a:schemeClr val="accent6"/>
-            </a:solidFill>
-            <a:tailEnd type="triangle"/>
-          </a:ln>
-        </p:spPr>
-        <p:style>
-          <a:lnRef idx="1">
-            <a:schemeClr val="accent1"/>
-          </a:lnRef>
-          <a:fillRef idx="0">
-            <a:schemeClr val="accent1"/>
-          </a:fillRef>
-          <a:effectRef idx="0">
-            <a:schemeClr val="accent1"/>
-          </a:effectRef>
-          <a:fontRef idx="minor">
-            <a:schemeClr val="tx1"/>
-          </a:fontRef>
-        </p:style>
-      </p:cxnSp>
-      <p:cxnSp>
-        <p:nvCxnSpPr>
-          <p:cNvPr id="76" name="直接连接符 75">
-            <a:extLst>
-              <a:ext uri="{FF2B5EF4-FFF2-40B4-BE49-F238E27FC236}">
-                <a16:creationId xmlns:a16="http://schemas.microsoft.com/office/drawing/2014/main" id="{6EC62978-0B69-49C3-B68C-FC7726BA08EB}"/>
-              </a:ext>
-            </a:extLst>
-          </p:cNvPr>
-          <p:cNvCxnSpPr>
-            <a:stCxn id="6" idx="3"/>
-          </p:cNvCxnSpPr>
-          <p:nvPr/>
-        </p:nvCxnSpPr>
-        <p:spPr>
-          <a:xfrm>
-            <a:off x="9675570" y="5589000"/>
-            <a:ext cx="480107" cy="0"/>
-          </a:xfrm>
-          <a:prstGeom prst="line">
-            <a:avLst/>
-          </a:prstGeom>
-          <a:ln w="25400">
-            <a:solidFill>
-              <a:schemeClr val="accent6"/>
-            </a:solidFill>
-          </a:ln>
-        </p:spPr>
-        <p:style>
-          <a:lnRef idx="1">
-            <a:schemeClr val="accent1"/>
-          </a:lnRef>
-          <a:fillRef idx="0">
-            <a:schemeClr val="accent1"/>
-          </a:fillRef>
-          <a:effectRef idx="0">
-            <a:schemeClr val="accent1"/>
-          </a:effectRef>
-          <a:fontRef idx="minor">
-            <a:schemeClr val="tx1"/>
-          </a:fontRef>
-        </p:style>
-      </p:cxnSp>
-      <p:sp>
-        <p:nvSpPr>
-          <p:cNvPr id="78" name="文本框 77">
-            <a:extLst>
-              <a:ext uri="{FF2B5EF4-FFF2-40B4-BE49-F238E27FC236}">
-                <a16:creationId xmlns:a16="http://schemas.microsoft.com/office/drawing/2014/main" id="{B2E225B2-384F-4D97-9C33-614CBC274EDE}"/>
-              </a:ext>
-            </a:extLst>
-          </p:cNvPr>
-          <p:cNvSpPr txBox="1"/>
-          <p:nvPr/>
-        </p:nvSpPr>
-        <p:spPr>
-          <a:xfrm>
-            <a:off x="4756826" y="544749"/>
-            <a:ext cx="3968885" cy="461665"/>
-          </a:xfrm>
-          <a:prstGeom prst="rect">
-            <a:avLst/>
-          </a:prstGeom>
-          <a:noFill/>
-        </p:spPr>
-        <p:txBody>
-          <a:bodyPr wrap="square" rtlCol="0">
-            <a:spAutoFit/>
-          </a:bodyPr>
-          <a:lstStyle/>
-          <a:p>
-            <a:pPr algn="ctr"/>
-            <a:r>
-              <a:rPr lang="zh-CN" altLang="en-US" sz="2400" b="1" dirty="0">
-                <a:latin typeface="宋体" panose="02010600030101010101" pitchFamily="2" charset="-122"/>
-                <a:ea typeface="宋体" panose="02010600030101010101" pitchFamily="2" charset="-122"/>
-              </a:rPr>
-              <a:t>控制软件</a:t>
-            </a:r>
-          </a:p>
-        </p:txBody>
-      </p:sp>
     </p:spTree>
     <p:extLst>
       <p:ext uri="{BB962C8B-B14F-4D97-AF65-F5344CB8AC3E}">
-        <p14:creationId xmlns:p14="http://schemas.microsoft.com/office/powerpoint/2010/main" val="4138593782"/>
+        <p14:creationId xmlns:p14="http://schemas.microsoft.com/office/powerpoint/2010/main" val="1539826561"/>
       </p:ext>
     </p:extLst>
   </p:cSld>
@@ -4450,130 +3959,1099 @@
           <a:chExt cx="0" cy="0"/>
         </a:xfrm>
       </p:grpSpPr>
-      <p:pic>
-        <p:nvPicPr>
-          <p:cNvPr id="1026" name="图片 2">
-            <a:extLst>
-              <a:ext uri="{FF2B5EF4-FFF2-40B4-BE49-F238E27FC236}">
-                <a16:creationId xmlns:a16="http://schemas.microsoft.com/office/drawing/2014/main" id="{A9D2589A-F55E-409B-9A84-BBDDC3288358}"/>
-              </a:ext>
-            </a:extLst>
-          </p:cNvPr>
-          <p:cNvPicPr>
-            <a:picLocks noChangeAspect="1" noChangeArrowheads="1"/>
-          </p:cNvPicPr>
+      <p:sp>
+        <p:nvSpPr>
+          <p:cNvPr id="67" name="矩形 66">
+            <a:extLst>
+              <a:ext uri="{FF2B5EF4-FFF2-40B4-BE49-F238E27FC236}">
+                <a16:creationId xmlns:a16="http://schemas.microsoft.com/office/drawing/2014/main" id="{04D73C1C-3CC3-44ED-BA8F-1197EBB322D1}"/>
+              </a:ext>
+            </a:extLst>
+          </p:cNvPr>
+          <p:cNvSpPr/>
           <p:nvPr/>
-        </p:nvPicPr>
-        <p:blipFill>
-          <a:blip r:embed="rId2">
-            <a:extLst>
-              <a:ext uri="{28A0092B-C50C-407E-A947-70E740481C1C}">
-                <a14:useLocalDpi xmlns:a14="http://schemas.microsoft.com/office/drawing/2010/main" val="0"/>
-              </a:ext>
-            </a:extLst>
-          </a:blip>
-          <a:srcRect/>
-          <a:stretch>
-            <a:fillRect/>
-          </a:stretch>
-        </p:blipFill>
-        <p:spPr bwMode="auto">
+        </p:nvSpPr>
+        <p:spPr>
           <a:xfrm>
-            <a:off x="2906631" y="2500312"/>
-            <a:ext cx="2754313" cy="1857375"/>
+            <a:off x="2766411" y="1118681"/>
+            <a:ext cx="7544908" cy="5387304"/>
+          </a:xfrm>
+          <a:prstGeom prst="rect">
+            <a:avLst/>
+          </a:prstGeom>
+          <a:solidFill>
+            <a:schemeClr val="bg1"/>
+          </a:solidFill>
+          <a:ln w="25400"/>
+        </p:spPr>
+        <p:style>
+          <a:lnRef idx="2">
+            <a:schemeClr val="accent1">
+              <a:shade val="50000"/>
+            </a:schemeClr>
+          </a:lnRef>
+          <a:fillRef idx="1">
+            <a:schemeClr val="accent1"/>
+          </a:fillRef>
+          <a:effectRef idx="0">
+            <a:schemeClr val="accent1"/>
+          </a:effectRef>
+          <a:fontRef idx="minor">
+            <a:schemeClr val="lt1"/>
+          </a:fontRef>
+        </p:style>
+        <p:txBody>
+          <a:bodyPr rtlCol="0" anchor="ctr"/>
+          <a:lstStyle/>
+          <a:p>
+            <a:pPr algn="ctr"/>
+            <a:endParaRPr lang="zh-CN" altLang="en-US"/>
+          </a:p>
+        </p:txBody>
+      </p:sp>
+      <p:sp>
+        <p:nvSpPr>
+          <p:cNvPr id="4" name="矩形: 圆角 3">
+            <a:extLst>
+              <a:ext uri="{FF2B5EF4-FFF2-40B4-BE49-F238E27FC236}">
+                <a16:creationId xmlns:a16="http://schemas.microsoft.com/office/drawing/2014/main" id="{60B25994-7AD4-4D9A-997A-B4E77EB1F556}"/>
+              </a:ext>
+            </a:extLst>
+          </p:cNvPr>
+          <p:cNvSpPr/>
+          <p:nvPr/>
+        </p:nvSpPr>
+        <p:spPr>
+          <a:xfrm>
+            <a:off x="3455121" y="2709000"/>
+            <a:ext cx="1440000" cy="1440000"/>
+          </a:xfrm>
+          <a:prstGeom prst="roundRect">
+            <a:avLst/>
+          </a:prstGeom>
+          <a:solidFill>
+            <a:schemeClr val="bg1"/>
+          </a:solidFill>
+          <a:ln w="25400">
+            <a:solidFill>
+              <a:schemeClr val="tx1"/>
+            </a:solidFill>
+          </a:ln>
+        </p:spPr>
+        <p:style>
+          <a:lnRef idx="2">
+            <a:schemeClr val="accent1">
+              <a:shade val="50000"/>
+            </a:schemeClr>
+          </a:lnRef>
+          <a:fillRef idx="1">
+            <a:schemeClr val="accent1"/>
+          </a:fillRef>
+          <a:effectRef idx="0">
+            <a:schemeClr val="accent1"/>
+          </a:effectRef>
+          <a:fontRef idx="minor">
+            <a:schemeClr val="lt1"/>
+          </a:fontRef>
+        </p:style>
+        <p:txBody>
+          <a:bodyPr rtlCol="0" anchor="ctr"/>
+          <a:lstStyle/>
+          <a:p>
+            <a:pPr algn="ctr"/>
+            <a:r>
+              <a:rPr lang="zh-CN" altLang="en-US" b="1" dirty="0">
+                <a:solidFill>
+                  <a:schemeClr val="tx1"/>
+                </a:solidFill>
+                <a:latin typeface="宋体" panose="02010600030101010101" pitchFamily="2" charset="-122"/>
+                <a:ea typeface="宋体" panose="02010600030101010101" pitchFamily="2" charset="-122"/>
+              </a:rPr>
+              <a:t>通讯系统</a:t>
+            </a:r>
+          </a:p>
+        </p:txBody>
+      </p:sp>
+      <p:sp>
+        <p:nvSpPr>
+          <p:cNvPr id="5" name="矩形: 圆角 4">
+            <a:extLst>
+              <a:ext uri="{FF2B5EF4-FFF2-40B4-BE49-F238E27FC236}">
+                <a16:creationId xmlns:a16="http://schemas.microsoft.com/office/drawing/2014/main" id="{6F6AC2EF-CC54-469A-A59F-4D49C72C9562}"/>
+              </a:ext>
+            </a:extLst>
+          </p:cNvPr>
+          <p:cNvSpPr/>
+          <p:nvPr/>
+        </p:nvSpPr>
+        <p:spPr>
+          <a:xfrm>
+            <a:off x="5931763" y="1269000"/>
+            <a:ext cx="1440000" cy="1440000"/>
+          </a:xfrm>
+          <a:prstGeom prst="roundRect">
+            <a:avLst/>
+          </a:prstGeom>
+          <a:solidFill>
+            <a:schemeClr val="bg1"/>
+          </a:solidFill>
+          <a:ln w="25400">
+            <a:solidFill>
+              <a:schemeClr val="tx1"/>
+            </a:solidFill>
+          </a:ln>
+        </p:spPr>
+        <p:style>
+          <a:lnRef idx="2">
+            <a:schemeClr val="accent1">
+              <a:shade val="50000"/>
+            </a:schemeClr>
+          </a:lnRef>
+          <a:fillRef idx="1">
+            <a:schemeClr val="accent1"/>
+          </a:fillRef>
+          <a:effectRef idx="0">
+            <a:schemeClr val="accent1"/>
+          </a:effectRef>
+          <a:fontRef idx="minor">
+            <a:schemeClr val="lt1"/>
+          </a:fontRef>
+        </p:style>
+        <p:txBody>
+          <a:bodyPr rtlCol="0" anchor="ctr"/>
+          <a:lstStyle/>
+          <a:p>
+            <a:pPr algn="ctr"/>
+            <a:r>
+              <a:rPr lang="zh-CN" altLang="en-US" b="1" dirty="0">
+                <a:solidFill>
+                  <a:schemeClr val="tx1"/>
+                </a:solidFill>
+                <a:latin typeface="宋体" panose="02010600030101010101" pitchFamily="2" charset="-122"/>
+                <a:ea typeface="宋体" panose="02010600030101010101" pitchFamily="2" charset="-122"/>
+              </a:rPr>
+              <a:t>控制系统</a:t>
+            </a:r>
+          </a:p>
+        </p:txBody>
+      </p:sp>
+      <p:sp>
+        <p:nvSpPr>
+          <p:cNvPr id="6" name="矩形: 圆角 5">
+            <a:extLst>
+              <a:ext uri="{FF2B5EF4-FFF2-40B4-BE49-F238E27FC236}">
+                <a16:creationId xmlns:a16="http://schemas.microsoft.com/office/drawing/2014/main" id="{9E5E111D-0411-451F-B870-6C0785FFEB8A}"/>
+              </a:ext>
+            </a:extLst>
+          </p:cNvPr>
+          <p:cNvSpPr/>
+          <p:nvPr/>
+        </p:nvSpPr>
+        <p:spPr>
+          <a:xfrm>
+            <a:off x="8235570" y="4869000"/>
+            <a:ext cx="1440000" cy="1440000"/>
+          </a:xfrm>
+          <a:prstGeom prst="roundRect">
+            <a:avLst/>
+          </a:prstGeom>
+          <a:solidFill>
+            <a:schemeClr val="bg1"/>
+          </a:solidFill>
+          <a:ln w="25400">
+            <a:solidFill>
+              <a:schemeClr val="tx1"/>
+            </a:solidFill>
+          </a:ln>
+        </p:spPr>
+        <p:style>
+          <a:lnRef idx="2">
+            <a:schemeClr val="accent1">
+              <a:shade val="50000"/>
+            </a:schemeClr>
+          </a:lnRef>
+          <a:fillRef idx="1">
+            <a:schemeClr val="accent1"/>
+          </a:fillRef>
+          <a:effectRef idx="0">
+            <a:schemeClr val="accent1"/>
+          </a:effectRef>
+          <a:fontRef idx="minor">
+            <a:schemeClr val="lt1"/>
+          </a:fontRef>
+        </p:style>
+        <p:txBody>
+          <a:bodyPr rtlCol="0" anchor="ctr"/>
+          <a:lstStyle/>
+          <a:p>
+            <a:pPr algn="ctr"/>
+            <a:r>
+              <a:rPr lang="zh-CN" altLang="en-US" b="1" dirty="0">
+                <a:solidFill>
+                  <a:schemeClr val="tx1"/>
+                </a:solidFill>
+                <a:latin typeface="宋体" panose="02010600030101010101" pitchFamily="2" charset="-122"/>
+                <a:ea typeface="宋体" panose="02010600030101010101" pitchFamily="2" charset="-122"/>
+              </a:rPr>
+              <a:t>仿真系统</a:t>
+            </a:r>
+          </a:p>
+        </p:txBody>
+      </p:sp>
+      <p:sp>
+        <p:nvSpPr>
+          <p:cNvPr id="7" name="矩形: 圆角 6">
+            <a:extLst>
+              <a:ext uri="{FF2B5EF4-FFF2-40B4-BE49-F238E27FC236}">
+                <a16:creationId xmlns:a16="http://schemas.microsoft.com/office/drawing/2014/main" id="{E3B884D1-0FA6-4A09-9858-37DEF4123EAB}"/>
+              </a:ext>
+            </a:extLst>
+          </p:cNvPr>
+          <p:cNvSpPr/>
+          <p:nvPr/>
+        </p:nvSpPr>
+        <p:spPr>
+          <a:xfrm>
+            <a:off x="8235570" y="3069000"/>
+            <a:ext cx="1440000" cy="1440000"/>
+          </a:xfrm>
+          <a:prstGeom prst="roundRect">
+            <a:avLst/>
+          </a:prstGeom>
+          <a:solidFill>
+            <a:schemeClr val="bg1"/>
+          </a:solidFill>
+          <a:ln w="25400">
+            <a:solidFill>
+              <a:schemeClr val="tx1"/>
+            </a:solidFill>
+          </a:ln>
+        </p:spPr>
+        <p:style>
+          <a:lnRef idx="2">
+            <a:schemeClr val="accent1">
+              <a:shade val="50000"/>
+            </a:schemeClr>
+          </a:lnRef>
+          <a:fillRef idx="1">
+            <a:schemeClr val="accent1"/>
+          </a:fillRef>
+          <a:effectRef idx="0">
+            <a:schemeClr val="accent1"/>
+          </a:effectRef>
+          <a:fontRef idx="minor">
+            <a:schemeClr val="lt1"/>
+          </a:fontRef>
+        </p:style>
+        <p:txBody>
+          <a:bodyPr rtlCol="0" anchor="ctr"/>
+          <a:lstStyle/>
+          <a:p>
+            <a:pPr algn="ctr"/>
+            <a:r>
+              <a:rPr lang="zh-CN" altLang="en-US" b="1" dirty="0">
+                <a:solidFill>
+                  <a:schemeClr val="tx1"/>
+                </a:solidFill>
+                <a:latin typeface="宋体" panose="02010600030101010101" pitchFamily="2" charset="-122"/>
+                <a:ea typeface="宋体" panose="02010600030101010101" pitchFamily="2" charset="-122"/>
+              </a:rPr>
+              <a:t>智能算法</a:t>
+            </a:r>
+          </a:p>
+        </p:txBody>
+      </p:sp>
+      <p:cxnSp>
+        <p:nvCxnSpPr>
+          <p:cNvPr id="21" name="直接连接符 20">
+            <a:extLst>
+              <a:ext uri="{FF2B5EF4-FFF2-40B4-BE49-F238E27FC236}">
+                <a16:creationId xmlns:a16="http://schemas.microsoft.com/office/drawing/2014/main" id="{43B988B6-E61A-4542-A822-C7F71A7A97EF}"/>
+              </a:ext>
+            </a:extLst>
+          </p:cNvPr>
+          <p:cNvCxnSpPr/>
+          <p:nvPr/>
+        </p:nvCxnSpPr>
+        <p:spPr>
+          <a:xfrm>
+            <a:off x="7558545" y="3789000"/>
+            <a:ext cx="0" cy="1800000"/>
+          </a:xfrm>
+          <a:prstGeom prst="line">
+            <a:avLst/>
+          </a:prstGeom>
+          <a:ln w="25400">
+            <a:solidFill>
+              <a:srgbClr val="FFFF00"/>
+            </a:solidFill>
+          </a:ln>
+        </p:spPr>
+        <p:style>
+          <a:lnRef idx="1">
+            <a:schemeClr val="accent1"/>
+          </a:lnRef>
+          <a:fillRef idx="0">
+            <a:schemeClr val="accent1"/>
+          </a:fillRef>
+          <a:effectRef idx="0">
+            <a:schemeClr val="accent1"/>
+          </a:effectRef>
+          <a:fontRef idx="minor">
+            <a:schemeClr val="tx1"/>
+          </a:fontRef>
+        </p:style>
+      </p:cxnSp>
+      <p:cxnSp>
+        <p:nvCxnSpPr>
+          <p:cNvPr id="27" name="直接箭头连接符 26">
+            <a:extLst>
+              <a:ext uri="{FF2B5EF4-FFF2-40B4-BE49-F238E27FC236}">
+                <a16:creationId xmlns:a16="http://schemas.microsoft.com/office/drawing/2014/main" id="{09DECA65-8C14-44B8-AE13-04D72119C847}"/>
+              </a:ext>
+            </a:extLst>
+          </p:cNvPr>
+          <p:cNvCxnSpPr>
+            <a:endCxn id="7" idx="1"/>
+          </p:cNvCxnSpPr>
+          <p:nvPr/>
+        </p:nvCxnSpPr>
+        <p:spPr>
+          <a:xfrm>
+            <a:off x="7558545" y="3789000"/>
+            <a:ext cx="677025" cy="0"/>
+          </a:xfrm>
+          <a:prstGeom prst="straightConnector1">
+            <a:avLst/>
+          </a:prstGeom>
+          <a:ln w="25400">
+            <a:solidFill>
+              <a:srgbClr val="FFFF00"/>
+            </a:solidFill>
+            <a:tailEnd type="triangle"/>
+          </a:ln>
+        </p:spPr>
+        <p:style>
+          <a:lnRef idx="1">
+            <a:schemeClr val="accent1"/>
+          </a:lnRef>
+          <a:fillRef idx="0">
+            <a:schemeClr val="accent1"/>
+          </a:fillRef>
+          <a:effectRef idx="0">
+            <a:schemeClr val="accent1"/>
+          </a:effectRef>
+          <a:fontRef idx="minor">
+            <a:schemeClr val="tx1"/>
+          </a:fontRef>
+        </p:style>
+      </p:cxnSp>
+      <p:cxnSp>
+        <p:nvCxnSpPr>
+          <p:cNvPr id="29" name="直接箭头连接符 28">
+            <a:extLst>
+              <a:ext uri="{FF2B5EF4-FFF2-40B4-BE49-F238E27FC236}">
+                <a16:creationId xmlns:a16="http://schemas.microsoft.com/office/drawing/2014/main" id="{26E15F55-C9A6-4ECA-9C80-F49D82FCEBB1}"/>
+              </a:ext>
+            </a:extLst>
+          </p:cNvPr>
+          <p:cNvCxnSpPr>
+            <a:endCxn id="6" idx="1"/>
+          </p:cNvCxnSpPr>
+          <p:nvPr/>
+        </p:nvCxnSpPr>
+        <p:spPr>
+          <a:xfrm>
+            <a:off x="7558545" y="5589000"/>
+            <a:ext cx="677025" cy="0"/>
+          </a:xfrm>
+          <a:prstGeom prst="straightConnector1">
+            <a:avLst/>
+          </a:prstGeom>
+          <a:ln w="25400">
+            <a:solidFill>
+              <a:srgbClr val="FFFF00"/>
+            </a:solidFill>
+            <a:tailEnd type="triangle"/>
+          </a:ln>
+        </p:spPr>
+        <p:style>
+          <a:lnRef idx="1">
+            <a:schemeClr val="accent1"/>
+          </a:lnRef>
+          <a:fillRef idx="0">
+            <a:schemeClr val="accent1"/>
+          </a:fillRef>
+          <a:effectRef idx="0">
+            <a:schemeClr val="accent1"/>
+          </a:effectRef>
+          <a:fontRef idx="minor">
+            <a:schemeClr val="tx1"/>
+          </a:fontRef>
+        </p:style>
+      </p:cxnSp>
+      <p:cxnSp>
+        <p:nvCxnSpPr>
+          <p:cNvPr id="43" name="直接连接符 42">
+            <a:extLst>
+              <a:ext uri="{FF2B5EF4-FFF2-40B4-BE49-F238E27FC236}">
+                <a16:creationId xmlns:a16="http://schemas.microsoft.com/office/drawing/2014/main" id="{820ABF98-1E22-4FB8-A179-F51744F8BC25}"/>
+              </a:ext>
+            </a:extLst>
+          </p:cNvPr>
+          <p:cNvCxnSpPr/>
+          <p:nvPr/>
+        </p:nvCxnSpPr>
+        <p:spPr>
+          <a:xfrm flipH="1">
+            <a:off x="5253089" y="4689000"/>
+            <a:ext cx="2305456" cy="0"/>
+          </a:xfrm>
+          <a:prstGeom prst="line">
+            <a:avLst/>
+          </a:prstGeom>
+          <a:ln w="25400">
+            <a:solidFill>
+              <a:srgbClr val="FFFF00"/>
+            </a:solidFill>
+          </a:ln>
+        </p:spPr>
+        <p:style>
+          <a:lnRef idx="1">
+            <a:schemeClr val="accent1"/>
+          </a:lnRef>
+          <a:fillRef idx="0">
+            <a:schemeClr val="accent1"/>
+          </a:fillRef>
+          <a:effectRef idx="0">
+            <a:schemeClr val="accent1"/>
+          </a:effectRef>
+          <a:fontRef idx="minor">
+            <a:schemeClr val="tx1"/>
+          </a:fontRef>
+        </p:style>
+      </p:cxnSp>
+      <p:cxnSp>
+        <p:nvCxnSpPr>
+          <p:cNvPr id="50" name="直接连接符 49">
+            <a:extLst>
+              <a:ext uri="{FF2B5EF4-FFF2-40B4-BE49-F238E27FC236}">
+                <a16:creationId xmlns:a16="http://schemas.microsoft.com/office/drawing/2014/main" id="{7DFD378A-4FED-42D6-98AF-CEDA7CD0A2C4}"/>
+              </a:ext>
+            </a:extLst>
+          </p:cNvPr>
+          <p:cNvCxnSpPr>
+            <a:cxnSpLocks/>
+            <a:stCxn id="7" idx="0"/>
+          </p:cNvCxnSpPr>
+          <p:nvPr/>
+        </p:nvCxnSpPr>
+        <p:spPr>
+          <a:xfrm flipV="1">
+            <a:off x="8955570" y="2251647"/>
+            <a:ext cx="0" cy="817353"/>
+          </a:xfrm>
+          <a:prstGeom prst="line">
+            <a:avLst/>
+          </a:prstGeom>
+          <a:ln w="25400">
+            <a:solidFill>
+              <a:schemeClr val="accent6"/>
+            </a:solidFill>
+          </a:ln>
+        </p:spPr>
+        <p:style>
+          <a:lnRef idx="1">
+            <a:schemeClr val="accent1"/>
+          </a:lnRef>
+          <a:fillRef idx="0">
+            <a:schemeClr val="accent1"/>
+          </a:fillRef>
+          <a:effectRef idx="0">
+            <a:schemeClr val="accent1"/>
+          </a:effectRef>
+          <a:fontRef idx="minor">
+            <a:schemeClr val="tx1"/>
+          </a:fontRef>
+        </p:style>
+      </p:cxnSp>
+      <p:cxnSp>
+        <p:nvCxnSpPr>
+          <p:cNvPr id="53" name="直接箭头连接符 52">
+            <a:extLst>
+              <a:ext uri="{FF2B5EF4-FFF2-40B4-BE49-F238E27FC236}">
+                <a16:creationId xmlns:a16="http://schemas.microsoft.com/office/drawing/2014/main" id="{9A3EE801-521E-4648-9FD1-DC3DCFCBA372}"/>
+              </a:ext>
+            </a:extLst>
+          </p:cNvPr>
+          <p:cNvCxnSpPr>
+            <a:cxnSpLocks/>
+          </p:cNvCxnSpPr>
+          <p:nvPr/>
+        </p:nvCxnSpPr>
+        <p:spPr>
+          <a:xfrm flipH="1">
+            <a:off x="7371763" y="2251647"/>
+            <a:ext cx="1583807" cy="0"/>
+          </a:xfrm>
+          <a:prstGeom prst="straightConnector1">
+            <a:avLst/>
+          </a:prstGeom>
+          <a:ln w="25400">
+            <a:solidFill>
+              <a:schemeClr val="accent6"/>
+            </a:solidFill>
+            <a:tailEnd type="triangle"/>
+          </a:ln>
+        </p:spPr>
+        <p:style>
+          <a:lnRef idx="1">
+            <a:schemeClr val="accent1"/>
+          </a:lnRef>
+          <a:fillRef idx="0">
+            <a:schemeClr val="accent1"/>
+          </a:fillRef>
+          <a:effectRef idx="0">
+            <a:schemeClr val="accent1"/>
+          </a:effectRef>
+          <a:fontRef idx="minor">
+            <a:schemeClr val="tx1"/>
+          </a:fontRef>
+        </p:style>
+      </p:cxnSp>
+      <p:cxnSp>
+        <p:nvCxnSpPr>
+          <p:cNvPr id="54" name="直接连接符 53">
+            <a:extLst>
+              <a:ext uri="{FF2B5EF4-FFF2-40B4-BE49-F238E27FC236}">
+                <a16:creationId xmlns:a16="http://schemas.microsoft.com/office/drawing/2014/main" id="{76BFDEBD-E084-49DC-B1B5-1C63298FD903}"/>
+              </a:ext>
+            </a:extLst>
+          </p:cNvPr>
+          <p:cNvCxnSpPr>
+            <a:cxnSpLocks/>
+          </p:cNvCxnSpPr>
+          <p:nvPr/>
+        </p:nvCxnSpPr>
+        <p:spPr>
+          <a:xfrm>
+            <a:off x="4895121" y="3707859"/>
+            <a:ext cx="367696" cy="0"/>
+          </a:xfrm>
+          <a:prstGeom prst="line">
+            <a:avLst/>
+          </a:prstGeom>
+          <a:ln w="25400">
+            <a:solidFill>
+              <a:srgbClr val="FFFF00"/>
+            </a:solidFill>
+          </a:ln>
+        </p:spPr>
+        <p:style>
+          <a:lnRef idx="1">
+            <a:schemeClr val="accent1"/>
+          </a:lnRef>
+          <a:fillRef idx="0">
+            <a:schemeClr val="accent1"/>
+          </a:fillRef>
+          <a:effectRef idx="0">
+            <a:schemeClr val="accent1"/>
+          </a:effectRef>
+          <a:fontRef idx="minor">
+            <a:schemeClr val="tx1"/>
+          </a:fontRef>
+        </p:style>
+      </p:cxnSp>
+      <p:cxnSp>
+        <p:nvCxnSpPr>
+          <p:cNvPr id="56" name="直接连接符 55">
+            <a:extLst>
+              <a:ext uri="{FF2B5EF4-FFF2-40B4-BE49-F238E27FC236}">
+                <a16:creationId xmlns:a16="http://schemas.microsoft.com/office/drawing/2014/main" id="{D2EA32F4-1B95-49E4-9F96-7981CFA1A280}"/>
+              </a:ext>
+            </a:extLst>
+          </p:cNvPr>
+          <p:cNvCxnSpPr/>
+          <p:nvPr/>
+        </p:nvCxnSpPr>
+        <p:spPr>
+          <a:xfrm>
+            <a:off x="5262817" y="3707859"/>
+            <a:ext cx="0" cy="981141"/>
+          </a:xfrm>
+          <a:prstGeom prst="line">
+            <a:avLst/>
+          </a:prstGeom>
+          <a:ln w="25400">
+            <a:solidFill>
+              <a:srgbClr val="FFFF00"/>
+            </a:solidFill>
+          </a:ln>
+        </p:spPr>
+        <p:style>
+          <a:lnRef idx="1">
+            <a:schemeClr val="accent1"/>
+          </a:lnRef>
+          <a:fillRef idx="0">
+            <a:schemeClr val="accent1"/>
+          </a:fillRef>
+          <a:effectRef idx="0">
+            <a:schemeClr val="accent1"/>
+          </a:effectRef>
+          <a:fontRef idx="minor">
+            <a:schemeClr val="tx1"/>
+          </a:fontRef>
+        </p:style>
+      </p:cxnSp>
+      <p:cxnSp>
+        <p:nvCxnSpPr>
+          <p:cNvPr id="58" name="直接连接符 57">
+            <a:extLst>
+              <a:ext uri="{FF2B5EF4-FFF2-40B4-BE49-F238E27FC236}">
+                <a16:creationId xmlns:a16="http://schemas.microsoft.com/office/drawing/2014/main" id="{ADE5376F-BA86-4AB9-8BED-1DF0693BEA63}"/>
+              </a:ext>
+            </a:extLst>
+          </p:cNvPr>
+          <p:cNvCxnSpPr>
+            <a:cxnSpLocks/>
+            <a:stCxn id="5" idx="1"/>
+          </p:cNvCxnSpPr>
+          <p:nvPr/>
+        </p:nvCxnSpPr>
+        <p:spPr>
+          <a:xfrm flipH="1">
+            <a:off x="5253089" y="1989000"/>
+            <a:ext cx="678674" cy="0"/>
+          </a:xfrm>
+          <a:prstGeom prst="line">
+            <a:avLst/>
+          </a:prstGeom>
+          <a:ln w="25400">
+            <a:solidFill>
+              <a:srgbClr val="FF0000"/>
+            </a:solidFill>
+          </a:ln>
+        </p:spPr>
+        <p:style>
+          <a:lnRef idx="1">
+            <a:schemeClr val="accent1"/>
+          </a:lnRef>
+          <a:fillRef idx="0">
+            <a:schemeClr val="accent1"/>
+          </a:fillRef>
+          <a:effectRef idx="0">
+            <a:schemeClr val="accent1"/>
+          </a:effectRef>
+          <a:fontRef idx="minor">
+            <a:schemeClr val="tx1"/>
+          </a:fontRef>
+        </p:style>
+      </p:cxnSp>
+      <p:cxnSp>
+        <p:nvCxnSpPr>
+          <p:cNvPr id="60" name="直接连接符 59">
+            <a:extLst>
+              <a:ext uri="{FF2B5EF4-FFF2-40B4-BE49-F238E27FC236}">
+                <a16:creationId xmlns:a16="http://schemas.microsoft.com/office/drawing/2014/main" id="{17564541-58C9-47DD-90AF-2563C01EB9B4}"/>
+              </a:ext>
+            </a:extLst>
+          </p:cNvPr>
+          <p:cNvCxnSpPr/>
+          <p:nvPr/>
+        </p:nvCxnSpPr>
+        <p:spPr>
+          <a:xfrm flipV="1">
+            <a:off x="5253089" y="1989000"/>
+            <a:ext cx="0" cy="1148170"/>
+          </a:xfrm>
+          <a:prstGeom prst="line">
+            <a:avLst/>
+          </a:prstGeom>
+          <a:ln w="25400">
+            <a:solidFill>
+              <a:srgbClr val="FF0000"/>
+            </a:solidFill>
+          </a:ln>
+        </p:spPr>
+        <p:style>
+          <a:lnRef idx="1">
+            <a:schemeClr val="accent1"/>
+          </a:lnRef>
+          <a:fillRef idx="0">
+            <a:schemeClr val="accent1"/>
+          </a:fillRef>
+          <a:effectRef idx="0">
+            <a:schemeClr val="accent1"/>
+          </a:effectRef>
+          <a:fontRef idx="minor">
+            <a:schemeClr val="tx1"/>
+          </a:fontRef>
+        </p:style>
+      </p:cxnSp>
+      <p:cxnSp>
+        <p:nvCxnSpPr>
+          <p:cNvPr id="63" name="直接箭头连接符 62">
+            <a:extLst>
+              <a:ext uri="{FF2B5EF4-FFF2-40B4-BE49-F238E27FC236}">
+                <a16:creationId xmlns:a16="http://schemas.microsoft.com/office/drawing/2014/main" id="{CC1FA9A9-ECB0-41FB-9401-15691F725BDA}"/>
+              </a:ext>
+            </a:extLst>
+          </p:cNvPr>
+          <p:cNvCxnSpPr/>
+          <p:nvPr/>
+        </p:nvCxnSpPr>
+        <p:spPr>
+          <a:xfrm flipH="1">
+            <a:off x="4895121" y="3137170"/>
+            <a:ext cx="357968" cy="0"/>
+          </a:xfrm>
+          <a:prstGeom prst="straightConnector1">
+            <a:avLst/>
+          </a:prstGeom>
+          <a:ln w="25400">
+            <a:solidFill>
+              <a:srgbClr val="FF0000"/>
+            </a:solidFill>
+            <a:tailEnd type="triangle"/>
+          </a:ln>
+        </p:spPr>
+        <p:style>
+          <a:lnRef idx="1">
+            <a:schemeClr val="accent1"/>
+          </a:lnRef>
+          <a:fillRef idx="0">
+            <a:schemeClr val="accent1"/>
+          </a:fillRef>
+          <a:effectRef idx="0">
+            <a:schemeClr val="accent1"/>
+          </a:effectRef>
+          <a:fontRef idx="minor">
+            <a:schemeClr val="tx1"/>
+          </a:fontRef>
+        </p:style>
+      </p:cxnSp>
+      <p:sp>
+        <p:nvSpPr>
+          <p:cNvPr id="64" name="椭圆 63">
+            <a:extLst>
+              <a:ext uri="{FF2B5EF4-FFF2-40B4-BE49-F238E27FC236}">
+                <a16:creationId xmlns:a16="http://schemas.microsoft.com/office/drawing/2014/main" id="{C5D16B81-0033-4A7A-A62A-B0B1377125FA}"/>
+              </a:ext>
+            </a:extLst>
+          </p:cNvPr>
+          <p:cNvSpPr/>
+          <p:nvPr/>
+        </p:nvSpPr>
+        <p:spPr>
+          <a:xfrm>
+            <a:off x="235784" y="2709000"/>
+            <a:ext cx="1440000" cy="1440000"/>
+          </a:xfrm>
+          <a:prstGeom prst="ellipse">
+            <a:avLst/>
+          </a:prstGeom>
+          <a:solidFill>
+            <a:schemeClr val="bg1"/>
+          </a:solidFill>
+          <a:ln w="25400">
+            <a:solidFill>
+              <a:schemeClr val="tx1"/>
+            </a:solidFill>
+          </a:ln>
+        </p:spPr>
+        <p:style>
+          <a:lnRef idx="2">
+            <a:schemeClr val="accent1">
+              <a:shade val="50000"/>
+            </a:schemeClr>
+          </a:lnRef>
+          <a:fillRef idx="1">
+            <a:schemeClr val="accent1"/>
+          </a:fillRef>
+          <a:effectRef idx="0">
+            <a:schemeClr val="accent1"/>
+          </a:effectRef>
+          <a:fontRef idx="minor">
+            <a:schemeClr val="lt1"/>
+          </a:fontRef>
+        </p:style>
+        <p:txBody>
+          <a:bodyPr tIns="360000" rtlCol="0" anchor="ctr"/>
+          <a:lstStyle/>
+          <a:p>
+            <a:pPr algn="ctr"/>
+            <a:r>
+              <a:rPr lang="zh-CN" altLang="en-US" b="1" dirty="0">
+                <a:solidFill>
+                  <a:schemeClr val="tx1"/>
+                </a:solidFill>
+                <a:latin typeface="宋体" panose="02010600030101010101" pitchFamily="2" charset="-122"/>
+                <a:ea typeface="宋体" panose="02010600030101010101" pitchFamily="2" charset="-122"/>
+              </a:rPr>
+              <a:t>带电</a:t>
+            </a:r>
+            <a:endParaRPr lang="en-US" altLang="zh-CN" b="1" dirty="0">
+              <a:solidFill>
+                <a:schemeClr val="tx1"/>
+              </a:solidFill>
+              <a:latin typeface="宋体" panose="02010600030101010101" pitchFamily="2" charset="-122"/>
+              <a:ea typeface="宋体" panose="02010600030101010101" pitchFamily="2" charset="-122"/>
+            </a:endParaRPr>
+          </a:p>
+          <a:p>
+            <a:pPr algn="ctr"/>
+            <a:r>
+              <a:rPr lang="zh-CN" altLang="en-US" b="1" dirty="0">
+                <a:solidFill>
+                  <a:schemeClr val="tx1"/>
+                </a:solidFill>
+                <a:latin typeface="宋体" panose="02010600030101010101" pitchFamily="2" charset="-122"/>
+                <a:ea typeface="宋体" panose="02010600030101010101" pitchFamily="2" charset="-122"/>
+              </a:rPr>
+              <a:t>作业</a:t>
+            </a:r>
+            <a:endParaRPr lang="en-US" altLang="zh-CN" b="1" dirty="0">
+              <a:solidFill>
+                <a:schemeClr val="tx1"/>
+              </a:solidFill>
+              <a:latin typeface="宋体" panose="02010600030101010101" pitchFamily="2" charset="-122"/>
+              <a:ea typeface="宋体" panose="02010600030101010101" pitchFamily="2" charset="-122"/>
+            </a:endParaRPr>
+          </a:p>
+          <a:p>
+            <a:pPr algn="ctr"/>
+            <a:r>
+              <a:rPr lang="zh-CN" altLang="en-US" b="1" dirty="0">
+                <a:solidFill>
+                  <a:schemeClr val="tx1"/>
+                </a:solidFill>
+                <a:latin typeface="宋体" panose="02010600030101010101" pitchFamily="2" charset="-122"/>
+                <a:ea typeface="宋体" panose="02010600030101010101" pitchFamily="2" charset="-122"/>
+              </a:rPr>
+              <a:t>平台</a:t>
+            </a:r>
+          </a:p>
+          <a:p>
+            <a:pPr algn="ctr"/>
+            <a:endParaRPr lang="zh-CN" altLang="en-US" dirty="0"/>
+          </a:p>
+        </p:txBody>
+      </p:sp>
+      <p:sp>
+        <p:nvSpPr>
+          <p:cNvPr id="66" name="箭头: 左右 65">
+            <a:extLst>
+              <a:ext uri="{FF2B5EF4-FFF2-40B4-BE49-F238E27FC236}">
+                <a16:creationId xmlns:a16="http://schemas.microsoft.com/office/drawing/2014/main" id="{37CE4B8A-0D68-4B64-8231-D233D5765208}"/>
+              </a:ext>
+            </a:extLst>
+          </p:cNvPr>
+          <p:cNvSpPr/>
+          <p:nvPr/>
+        </p:nvSpPr>
+        <p:spPr>
+          <a:xfrm>
+            <a:off x="1675783" y="3232015"/>
+            <a:ext cx="1779338" cy="393970"/>
+          </a:xfrm>
+          <a:prstGeom prst="leftRightArrow">
+            <a:avLst/>
+          </a:prstGeom>
+        </p:spPr>
+        <p:style>
+          <a:lnRef idx="2">
+            <a:schemeClr val="accent1">
+              <a:shade val="50000"/>
+            </a:schemeClr>
+          </a:lnRef>
+          <a:fillRef idx="1">
+            <a:schemeClr val="accent1"/>
+          </a:fillRef>
+          <a:effectRef idx="0">
+            <a:schemeClr val="accent1"/>
+          </a:effectRef>
+          <a:fontRef idx="minor">
+            <a:schemeClr val="lt1"/>
+          </a:fontRef>
+        </p:style>
+        <p:txBody>
+          <a:bodyPr rtlCol="0" anchor="ctr"/>
+          <a:lstStyle/>
+          <a:p>
+            <a:pPr algn="ctr"/>
+            <a:endParaRPr lang="zh-CN" altLang="en-US"/>
+          </a:p>
+        </p:txBody>
+      </p:sp>
+      <p:cxnSp>
+        <p:nvCxnSpPr>
+          <p:cNvPr id="71" name="直接连接符 70">
+            <a:extLst>
+              <a:ext uri="{FF2B5EF4-FFF2-40B4-BE49-F238E27FC236}">
+                <a16:creationId xmlns:a16="http://schemas.microsoft.com/office/drawing/2014/main" id="{6FA2DB2D-7A71-4906-898D-831495570224}"/>
+              </a:ext>
+            </a:extLst>
+          </p:cNvPr>
+          <p:cNvCxnSpPr/>
+          <p:nvPr/>
+        </p:nvCxnSpPr>
+        <p:spPr>
+          <a:xfrm flipV="1">
+            <a:off x="10155677" y="1741251"/>
+            <a:ext cx="0" cy="3847749"/>
+          </a:xfrm>
+          <a:prstGeom prst="line">
+            <a:avLst/>
+          </a:prstGeom>
+          <a:ln w="25400">
+            <a:solidFill>
+              <a:schemeClr val="accent6"/>
+            </a:solidFill>
+          </a:ln>
+        </p:spPr>
+        <p:style>
+          <a:lnRef idx="1">
+            <a:schemeClr val="accent1"/>
+          </a:lnRef>
+          <a:fillRef idx="0">
+            <a:schemeClr val="accent1"/>
+          </a:fillRef>
+          <a:effectRef idx="0">
+            <a:schemeClr val="accent1"/>
+          </a:effectRef>
+          <a:fontRef idx="minor">
+            <a:schemeClr val="tx1"/>
+          </a:fontRef>
+        </p:style>
+      </p:cxnSp>
+      <p:cxnSp>
+        <p:nvCxnSpPr>
+          <p:cNvPr id="74" name="直接箭头连接符 73">
+            <a:extLst>
+              <a:ext uri="{FF2B5EF4-FFF2-40B4-BE49-F238E27FC236}">
+                <a16:creationId xmlns:a16="http://schemas.microsoft.com/office/drawing/2014/main" id="{8284DDC0-9A19-47CD-A05E-695D560C9E70}"/>
+              </a:ext>
+            </a:extLst>
+          </p:cNvPr>
+          <p:cNvCxnSpPr/>
+          <p:nvPr/>
+        </p:nvCxnSpPr>
+        <p:spPr>
+          <a:xfrm flipH="1">
+            <a:off x="7371763" y="1741251"/>
+            <a:ext cx="2783914" cy="0"/>
+          </a:xfrm>
+          <a:prstGeom prst="straightConnector1">
+            <a:avLst/>
+          </a:prstGeom>
+          <a:ln w="25400">
+            <a:solidFill>
+              <a:schemeClr val="accent6"/>
+            </a:solidFill>
+            <a:tailEnd type="triangle"/>
+          </a:ln>
+        </p:spPr>
+        <p:style>
+          <a:lnRef idx="1">
+            <a:schemeClr val="accent1"/>
+          </a:lnRef>
+          <a:fillRef idx="0">
+            <a:schemeClr val="accent1"/>
+          </a:fillRef>
+          <a:effectRef idx="0">
+            <a:schemeClr val="accent1"/>
+          </a:effectRef>
+          <a:fontRef idx="minor">
+            <a:schemeClr val="tx1"/>
+          </a:fontRef>
+        </p:style>
+      </p:cxnSp>
+      <p:cxnSp>
+        <p:nvCxnSpPr>
+          <p:cNvPr id="76" name="直接连接符 75">
+            <a:extLst>
+              <a:ext uri="{FF2B5EF4-FFF2-40B4-BE49-F238E27FC236}">
+                <a16:creationId xmlns:a16="http://schemas.microsoft.com/office/drawing/2014/main" id="{6EC62978-0B69-49C3-B68C-FC7726BA08EB}"/>
+              </a:ext>
+            </a:extLst>
+          </p:cNvPr>
+          <p:cNvCxnSpPr>
+            <a:stCxn id="6" idx="3"/>
+          </p:cNvCxnSpPr>
+          <p:nvPr/>
+        </p:nvCxnSpPr>
+        <p:spPr>
+          <a:xfrm>
+            <a:off x="9675570" y="5589000"/>
+            <a:ext cx="480107" cy="0"/>
+          </a:xfrm>
+          <a:prstGeom prst="line">
+            <a:avLst/>
+          </a:prstGeom>
+          <a:ln w="25400">
+            <a:solidFill>
+              <a:schemeClr val="accent6"/>
+            </a:solidFill>
+          </a:ln>
+        </p:spPr>
+        <p:style>
+          <a:lnRef idx="1">
+            <a:schemeClr val="accent1"/>
+          </a:lnRef>
+          <a:fillRef idx="0">
+            <a:schemeClr val="accent1"/>
+          </a:fillRef>
+          <a:effectRef idx="0">
+            <a:schemeClr val="accent1"/>
+          </a:effectRef>
+          <a:fontRef idx="minor">
+            <a:schemeClr val="tx1"/>
+          </a:fontRef>
+        </p:style>
+      </p:cxnSp>
+      <p:sp>
+        <p:nvSpPr>
+          <p:cNvPr id="78" name="文本框 77">
+            <a:extLst>
+              <a:ext uri="{FF2B5EF4-FFF2-40B4-BE49-F238E27FC236}">
+                <a16:creationId xmlns:a16="http://schemas.microsoft.com/office/drawing/2014/main" id="{B2E225B2-384F-4D97-9C33-614CBC274EDE}"/>
+              </a:ext>
+            </a:extLst>
+          </p:cNvPr>
+          <p:cNvSpPr txBox="1"/>
+          <p:nvPr/>
+        </p:nvSpPr>
+        <p:spPr>
+          <a:xfrm>
+            <a:off x="4756826" y="544749"/>
+            <a:ext cx="3968885" cy="461665"/>
           </a:xfrm>
           <a:prstGeom prst="rect">
             <a:avLst/>
           </a:prstGeom>
           <a:noFill/>
-          <a:ln>
-            <a:noFill/>
-          </a:ln>
-          <a:extLst>
-            <a:ext uri="{909E8E84-426E-40DD-AFC4-6F175D3DCCD1}">
-              <a14:hiddenFill xmlns:a14="http://schemas.microsoft.com/office/drawing/2010/main">
-                <a:solidFill>
-                  <a:srgbClr val="FFFFFF"/>
-                </a:solidFill>
-              </a14:hiddenFill>
-            </a:ext>
-            <a:ext uri="{91240B29-F687-4F45-9708-019B960494DF}">
-              <a14:hiddenLine xmlns:a14="http://schemas.microsoft.com/office/drawing/2010/main" w="9525">
-                <a:solidFill>
-                  <a:srgbClr val="000000"/>
-                </a:solidFill>
-                <a:miter lim="800000"/>
-                <a:headEnd/>
-                <a:tailEnd/>
-              </a14:hiddenLine>
-            </a:ext>
-          </a:extLst>
-        </p:spPr>
-      </p:pic>
-      <p:pic>
-        <p:nvPicPr>
-          <p:cNvPr id="1027" name="图片 3">
-            <a:extLst>
-              <a:ext uri="{FF2B5EF4-FFF2-40B4-BE49-F238E27FC236}">
-                <a16:creationId xmlns:a16="http://schemas.microsoft.com/office/drawing/2014/main" id="{7FB075E2-9E3F-408A-A4C6-9FAA3AF13489}"/>
-              </a:ext>
-            </a:extLst>
-          </p:cNvPr>
-          <p:cNvPicPr>
-            <a:picLocks noChangeAspect="1" noChangeArrowheads="1"/>
-          </p:cNvPicPr>
-          <p:nvPr/>
-        </p:nvPicPr>
-        <p:blipFill>
-          <a:blip r:embed="rId3">
-            <a:extLst>
-              <a:ext uri="{28A0092B-C50C-407E-A947-70E740481C1C}">
-                <a14:useLocalDpi xmlns:a14="http://schemas.microsoft.com/office/drawing/2010/main" val="0"/>
-              </a:ext>
-            </a:extLst>
-          </a:blip>
-          <a:srcRect/>
-          <a:stretch>
-            <a:fillRect/>
-          </a:stretch>
-        </p:blipFill>
-        <p:spPr bwMode="auto">
-          <a:xfrm>
-            <a:off x="5660944" y="2500312"/>
-            <a:ext cx="2286000" cy="1828800"/>
-          </a:xfrm>
-          <a:prstGeom prst="rect">
-            <a:avLst/>
-          </a:prstGeom>
-          <a:noFill/>
-          <a:ln>
-            <a:noFill/>
-          </a:ln>
-          <a:extLst>
-            <a:ext uri="{909E8E84-426E-40DD-AFC4-6F175D3DCCD1}">
-              <a14:hiddenFill xmlns:a14="http://schemas.microsoft.com/office/drawing/2010/main">
-                <a:solidFill>
-                  <a:srgbClr val="FFFFFF"/>
-                </a:solidFill>
-              </a14:hiddenFill>
-            </a:ext>
-            <a:ext uri="{91240B29-F687-4F45-9708-019B960494DF}">
-              <a14:hiddenLine xmlns:a14="http://schemas.microsoft.com/office/drawing/2010/main" w="9525">
-                <a:solidFill>
-                  <a:srgbClr val="000000"/>
-                </a:solidFill>
-                <a:miter lim="800000"/>
-                <a:headEnd/>
-                <a:tailEnd/>
-              </a14:hiddenLine>
-            </a:ext>
-          </a:extLst>
-        </p:spPr>
-      </p:pic>
+        </p:spPr>
+        <p:txBody>
+          <a:bodyPr wrap="square" rtlCol="0">
+            <a:spAutoFit/>
+          </a:bodyPr>
+          <a:lstStyle/>
+          <a:p>
+            <a:pPr algn="ctr"/>
+            <a:r>
+              <a:rPr lang="zh-CN" altLang="en-US" sz="2400" b="1" dirty="0">
+                <a:latin typeface="宋体" panose="02010600030101010101" pitchFamily="2" charset="-122"/>
+                <a:ea typeface="宋体" panose="02010600030101010101" pitchFamily="2" charset="-122"/>
+              </a:rPr>
+              <a:t>控制软件</a:t>
+            </a:r>
+          </a:p>
+        </p:txBody>
+      </p:sp>
     </p:spTree>
     <p:extLst>
       <p:ext uri="{BB962C8B-B14F-4D97-AF65-F5344CB8AC3E}">
-        <p14:creationId xmlns:p14="http://schemas.microsoft.com/office/powerpoint/2010/main" val="2799791791"/>
+        <p14:creationId xmlns:p14="http://schemas.microsoft.com/office/powerpoint/2010/main" val="4138593782"/>
       </p:ext>
     </p:extLst>
   </p:cSld>
@@ -4602,10 +5080,10 @@
       </p:grpSpPr>
       <p:pic>
         <p:nvPicPr>
-          <p:cNvPr id="2050" name="图片 4">
-            <a:extLst>
-              <a:ext uri="{FF2B5EF4-FFF2-40B4-BE49-F238E27FC236}">
-                <a16:creationId xmlns:a16="http://schemas.microsoft.com/office/drawing/2014/main" id="{8BD59CBB-9975-4D9D-BE2D-5234C6F3D910}"/>
+          <p:cNvPr id="1026" name="图片 2">
+            <a:extLst>
+              <a:ext uri="{FF2B5EF4-FFF2-40B4-BE49-F238E27FC236}">
+                <a16:creationId xmlns:a16="http://schemas.microsoft.com/office/drawing/2014/main" id="{A9D2589A-F55E-409B-9A84-BBDDC3288358}"/>
               </a:ext>
             </a:extLst>
           </p:cNvPr>
@@ -4629,8 +5107,8 @@
         </p:blipFill>
         <p:spPr bwMode="auto">
           <a:xfrm>
-            <a:off x="1418784" y="2241550"/>
-            <a:ext cx="2484437" cy="2374900"/>
+            <a:off x="2906631" y="2500312"/>
+            <a:ext cx="2754313" cy="1857375"/>
           </a:xfrm>
           <a:prstGeom prst="rect">
             <a:avLst/>
@@ -4662,10 +5140,10 @@
       </p:pic>
       <p:pic>
         <p:nvPicPr>
-          <p:cNvPr id="2051" name="图片 5">
-            <a:extLst>
-              <a:ext uri="{FF2B5EF4-FFF2-40B4-BE49-F238E27FC236}">
-                <a16:creationId xmlns:a16="http://schemas.microsoft.com/office/drawing/2014/main" id="{8D83B2F3-509F-42ED-BE01-90EDF272ADA0}"/>
+          <p:cNvPr id="1027" name="图片 3">
+            <a:extLst>
+              <a:ext uri="{FF2B5EF4-FFF2-40B4-BE49-F238E27FC236}">
+                <a16:creationId xmlns:a16="http://schemas.microsoft.com/office/drawing/2014/main" id="{7FB075E2-9E3F-408A-A4C6-9FAA3AF13489}"/>
               </a:ext>
             </a:extLst>
           </p:cNvPr>
@@ -4689,8 +5167,8 @@
         </p:blipFill>
         <p:spPr bwMode="auto">
           <a:xfrm>
-            <a:off x="3903221" y="2254250"/>
-            <a:ext cx="2257425" cy="2362200"/>
+            <a:off x="5660944" y="2500312"/>
+            <a:ext cx="2286000" cy="1828800"/>
           </a:xfrm>
           <a:prstGeom prst="rect">
             <a:avLst/>
@@ -4723,7 +5201,7 @@
     </p:spTree>
     <p:extLst>
       <p:ext uri="{BB962C8B-B14F-4D97-AF65-F5344CB8AC3E}">
-        <p14:creationId xmlns:p14="http://schemas.microsoft.com/office/powerpoint/2010/main" val="1237822450"/>
+        <p14:creationId xmlns:p14="http://schemas.microsoft.com/office/powerpoint/2010/main" val="2799791791"/>
       </p:ext>
     </p:extLst>
   </p:cSld>
@@ -4752,10 +5230,10 @@
       </p:grpSpPr>
       <p:pic>
         <p:nvPicPr>
-          <p:cNvPr id="3074" name="图片 6">
-            <a:extLst>
-              <a:ext uri="{FF2B5EF4-FFF2-40B4-BE49-F238E27FC236}">
-                <a16:creationId xmlns:a16="http://schemas.microsoft.com/office/drawing/2014/main" id="{4B60936F-426D-4EE9-B446-CDB6FDE44938}"/>
+          <p:cNvPr id="2050" name="图片 4">
+            <a:extLst>
+              <a:ext uri="{FF2B5EF4-FFF2-40B4-BE49-F238E27FC236}">
+                <a16:creationId xmlns:a16="http://schemas.microsoft.com/office/drawing/2014/main" id="{8BD59CBB-9975-4D9D-BE2D-5234C6F3D910}"/>
               </a:ext>
             </a:extLst>
           </p:cNvPr>
@@ -4779,8 +5257,8 @@
         </p:blipFill>
         <p:spPr bwMode="auto">
           <a:xfrm>
-            <a:off x="995363" y="2333184"/>
-            <a:ext cx="3048000" cy="2438400"/>
+            <a:off x="1418784" y="2241550"/>
+            <a:ext cx="2484437" cy="2374900"/>
           </a:xfrm>
           <a:prstGeom prst="rect">
             <a:avLst/>
@@ -4812,10 +5290,10 @@
       </p:pic>
       <p:pic>
         <p:nvPicPr>
-          <p:cNvPr id="3075" name="图片 7">
-            <a:extLst>
-              <a:ext uri="{FF2B5EF4-FFF2-40B4-BE49-F238E27FC236}">
-                <a16:creationId xmlns:a16="http://schemas.microsoft.com/office/drawing/2014/main" id="{C1F538FD-474F-4A3C-A999-339997223441}"/>
+          <p:cNvPr id="2051" name="图片 5">
+            <a:extLst>
+              <a:ext uri="{FF2B5EF4-FFF2-40B4-BE49-F238E27FC236}">
+                <a16:creationId xmlns:a16="http://schemas.microsoft.com/office/drawing/2014/main" id="{8D83B2F3-509F-42ED-BE01-90EDF272ADA0}"/>
               </a:ext>
             </a:extLst>
           </p:cNvPr>
@@ -4839,8 +5317,8 @@
         </p:blipFill>
         <p:spPr bwMode="auto">
           <a:xfrm>
-            <a:off x="4043363" y="2333184"/>
-            <a:ext cx="1981200" cy="2438400"/>
+            <a:off x="3903221" y="2254250"/>
+            <a:ext cx="2257425" cy="2362200"/>
           </a:xfrm>
           <a:prstGeom prst="rect">
             <a:avLst/>
@@ -4873,7 +5351,7 @@
     </p:spTree>
     <p:extLst>
       <p:ext uri="{BB962C8B-B14F-4D97-AF65-F5344CB8AC3E}">
-        <p14:creationId xmlns:p14="http://schemas.microsoft.com/office/powerpoint/2010/main" val="3287135304"/>
+        <p14:creationId xmlns:p14="http://schemas.microsoft.com/office/powerpoint/2010/main" val="1237822450"/>
       </p:ext>
     </p:extLst>
   </p:cSld>
@@ -4902,10 +5380,10 @@
       </p:grpSpPr>
       <p:pic>
         <p:nvPicPr>
-          <p:cNvPr id="4098" name="图片 23" descr="IMG_256">
-            <a:extLst>
-              <a:ext uri="{FF2B5EF4-FFF2-40B4-BE49-F238E27FC236}">
-                <a16:creationId xmlns:a16="http://schemas.microsoft.com/office/drawing/2014/main" id="{D7C028C2-AA6E-46F5-A8A8-19F4E8F01FAA}"/>
+          <p:cNvPr id="3074" name="图片 6">
+            <a:extLst>
+              <a:ext uri="{FF2B5EF4-FFF2-40B4-BE49-F238E27FC236}">
+                <a16:creationId xmlns:a16="http://schemas.microsoft.com/office/drawing/2014/main" id="{4B60936F-426D-4EE9-B446-CDB6FDE44938}"/>
               </a:ext>
             </a:extLst>
           </p:cNvPr>
@@ -4929,8 +5407,8 @@
         </p:blipFill>
         <p:spPr bwMode="auto">
           <a:xfrm>
-            <a:off x="2565139" y="2452687"/>
-            <a:ext cx="2638425" cy="1952625"/>
+            <a:off x="995363" y="2333184"/>
+            <a:ext cx="3048000" cy="2438400"/>
           </a:xfrm>
           <a:prstGeom prst="rect">
             <a:avLst/>
@@ -4962,10 +5440,10 @@
       </p:pic>
       <p:pic>
         <p:nvPicPr>
-          <p:cNvPr id="4099" name="图片 24">
-            <a:extLst>
-              <a:ext uri="{FF2B5EF4-FFF2-40B4-BE49-F238E27FC236}">
-                <a16:creationId xmlns:a16="http://schemas.microsoft.com/office/drawing/2014/main" id="{A637C743-BB4F-4C31-AED7-B259F71F6232}"/>
+          <p:cNvPr id="3075" name="图片 7">
+            <a:extLst>
+              <a:ext uri="{FF2B5EF4-FFF2-40B4-BE49-F238E27FC236}">
+                <a16:creationId xmlns:a16="http://schemas.microsoft.com/office/drawing/2014/main" id="{C1F538FD-474F-4A3C-A999-339997223441}"/>
               </a:ext>
             </a:extLst>
           </p:cNvPr>
@@ -4989,8 +5467,8 @@
         </p:blipFill>
         <p:spPr bwMode="auto">
           <a:xfrm>
-            <a:off x="5203564" y="2452687"/>
-            <a:ext cx="2403475" cy="1952625"/>
+            <a:off x="4043363" y="2333184"/>
+            <a:ext cx="1981200" cy="2438400"/>
           </a:xfrm>
           <a:prstGeom prst="rect">
             <a:avLst/>
@@ -5023,6 +5501,156 @@
     </p:spTree>
     <p:extLst>
       <p:ext uri="{BB962C8B-B14F-4D97-AF65-F5344CB8AC3E}">
+        <p14:creationId xmlns:p14="http://schemas.microsoft.com/office/powerpoint/2010/main" val="3287135304"/>
+      </p:ext>
+    </p:extLst>
+  </p:cSld>
+  <p:clrMapOvr>
+    <a:masterClrMapping/>
+  </p:clrMapOvr>
+</p:sld>
+</file>
+
+<file path=ppt/slides/slide6.xml><?xml version="1.0" encoding="utf-8"?>
+<p:sld xmlns:a="http://schemas.openxmlformats.org/drawingml/2006/main" xmlns:r="http://schemas.openxmlformats.org/officeDocument/2006/relationships" xmlns:p="http://schemas.openxmlformats.org/presentationml/2006/main">
+  <p:cSld>
+    <p:spTree>
+      <p:nvGrpSpPr>
+        <p:cNvPr id="1" name=""/>
+        <p:cNvGrpSpPr/>
+        <p:nvPr/>
+      </p:nvGrpSpPr>
+      <p:grpSpPr>
+        <a:xfrm>
+          <a:off x="0" y="0"/>
+          <a:ext cx="0" cy="0"/>
+          <a:chOff x="0" y="0"/>
+          <a:chExt cx="0" cy="0"/>
+        </a:xfrm>
+      </p:grpSpPr>
+      <p:pic>
+        <p:nvPicPr>
+          <p:cNvPr id="4098" name="图片 23" descr="IMG_256">
+            <a:extLst>
+              <a:ext uri="{FF2B5EF4-FFF2-40B4-BE49-F238E27FC236}">
+                <a16:creationId xmlns:a16="http://schemas.microsoft.com/office/drawing/2014/main" id="{D7C028C2-AA6E-46F5-A8A8-19F4E8F01FAA}"/>
+              </a:ext>
+            </a:extLst>
+          </p:cNvPr>
+          <p:cNvPicPr>
+            <a:picLocks noChangeAspect="1" noChangeArrowheads="1"/>
+          </p:cNvPicPr>
+          <p:nvPr/>
+        </p:nvPicPr>
+        <p:blipFill>
+          <a:blip r:embed="rId2">
+            <a:extLst>
+              <a:ext uri="{28A0092B-C50C-407E-A947-70E740481C1C}">
+                <a14:useLocalDpi xmlns:a14="http://schemas.microsoft.com/office/drawing/2010/main" val="0"/>
+              </a:ext>
+            </a:extLst>
+          </a:blip>
+          <a:srcRect/>
+          <a:stretch>
+            <a:fillRect/>
+          </a:stretch>
+        </p:blipFill>
+        <p:spPr bwMode="auto">
+          <a:xfrm>
+            <a:off x="2565139" y="2452687"/>
+            <a:ext cx="2638425" cy="1952625"/>
+          </a:xfrm>
+          <a:prstGeom prst="rect">
+            <a:avLst/>
+          </a:prstGeom>
+          <a:noFill/>
+          <a:ln>
+            <a:noFill/>
+          </a:ln>
+          <a:extLst>
+            <a:ext uri="{909E8E84-426E-40DD-AFC4-6F175D3DCCD1}">
+              <a14:hiddenFill xmlns:a14="http://schemas.microsoft.com/office/drawing/2010/main">
+                <a:solidFill>
+                  <a:srgbClr val="FFFFFF"/>
+                </a:solidFill>
+              </a14:hiddenFill>
+            </a:ext>
+            <a:ext uri="{91240B29-F687-4F45-9708-019B960494DF}">
+              <a14:hiddenLine xmlns:a14="http://schemas.microsoft.com/office/drawing/2010/main" w="9525">
+                <a:solidFill>
+                  <a:srgbClr val="000000"/>
+                </a:solidFill>
+                <a:miter lim="800000"/>
+                <a:headEnd/>
+                <a:tailEnd/>
+              </a14:hiddenLine>
+            </a:ext>
+          </a:extLst>
+        </p:spPr>
+      </p:pic>
+      <p:pic>
+        <p:nvPicPr>
+          <p:cNvPr id="4099" name="图片 24">
+            <a:extLst>
+              <a:ext uri="{FF2B5EF4-FFF2-40B4-BE49-F238E27FC236}">
+                <a16:creationId xmlns:a16="http://schemas.microsoft.com/office/drawing/2014/main" id="{A637C743-BB4F-4C31-AED7-B259F71F6232}"/>
+              </a:ext>
+            </a:extLst>
+          </p:cNvPr>
+          <p:cNvPicPr>
+            <a:picLocks noChangeAspect="1" noChangeArrowheads="1"/>
+          </p:cNvPicPr>
+          <p:nvPr/>
+        </p:nvPicPr>
+        <p:blipFill>
+          <a:blip r:embed="rId3">
+            <a:extLst>
+              <a:ext uri="{28A0092B-C50C-407E-A947-70E740481C1C}">
+                <a14:useLocalDpi xmlns:a14="http://schemas.microsoft.com/office/drawing/2010/main" val="0"/>
+              </a:ext>
+            </a:extLst>
+          </a:blip>
+          <a:srcRect/>
+          <a:stretch>
+            <a:fillRect/>
+          </a:stretch>
+        </p:blipFill>
+        <p:spPr bwMode="auto">
+          <a:xfrm>
+            <a:off x="5203564" y="2452687"/>
+            <a:ext cx="2403475" cy="1952625"/>
+          </a:xfrm>
+          <a:prstGeom prst="rect">
+            <a:avLst/>
+          </a:prstGeom>
+          <a:noFill/>
+          <a:ln>
+            <a:noFill/>
+          </a:ln>
+          <a:extLst>
+            <a:ext uri="{909E8E84-426E-40DD-AFC4-6F175D3DCCD1}">
+              <a14:hiddenFill xmlns:a14="http://schemas.microsoft.com/office/drawing/2010/main">
+                <a:solidFill>
+                  <a:srgbClr val="FFFFFF"/>
+                </a:solidFill>
+              </a14:hiddenFill>
+            </a:ext>
+            <a:ext uri="{91240B29-F687-4F45-9708-019B960494DF}">
+              <a14:hiddenLine xmlns:a14="http://schemas.microsoft.com/office/drawing/2010/main" w="9525">
+                <a:solidFill>
+                  <a:srgbClr val="000000"/>
+                </a:solidFill>
+                <a:miter lim="800000"/>
+                <a:headEnd/>
+                <a:tailEnd/>
+              </a14:hiddenLine>
+            </a:ext>
+          </a:extLst>
+        </p:spPr>
+      </p:pic>
+    </p:spTree>
+    <p:extLst>
+      <p:ext uri="{BB962C8B-B14F-4D97-AF65-F5344CB8AC3E}">
         <p14:creationId xmlns:p14="http://schemas.microsoft.com/office/powerpoint/2010/main" val="625028966"/>
       </p:ext>
     </p:extLst>
@@ -5033,7 +5661,7 @@
 </p:sld>
 </file>
 
-<file path=ppt/slides/slide6.xml><?xml version="1.0" encoding="utf-8"?>
+<file path=ppt/slides/slide7.xml><?xml version="1.0" encoding="utf-8"?>
 <p:sld xmlns:a="http://schemas.openxmlformats.org/drawingml/2006/main" xmlns:r="http://schemas.openxmlformats.org/officeDocument/2006/relationships" xmlns:p="http://schemas.openxmlformats.org/presentationml/2006/main">
   <p:cSld>
     <p:spTree>
